--- a/Презентация.pptx
+++ b/Презентация.pptx
@@ -5,7 +5,7 @@
     <p:sldMasterId id="2147483648" r:id="rId1"/>
   </p:sldMasterIdLst>
   <p:notesMasterIdLst>
-    <p:notesMasterId r:id="rId11"/>
+    <p:notesMasterId r:id="rId14"/>
   </p:notesMasterIdLst>
   <p:sldIdLst>
     <p:sldId id="256" r:id="rId2"/>
@@ -17,6 +17,9 @@
     <p:sldId id="263" r:id="rId8"/>
     <p:sldId id="262" r:id="rId9"/>
     <p:sldId id="264" r:id="rId10"/>
+    <p:sldId id="268" r:id="rId11"/>
+    <p:sldId id="266" r:id="rId12"/>
+    <p:sldId id="267" r:id="rId13"/>
   </p:sldIdLst>
   <p:sldSz cx="9144000" cy="6858000" type="screen4x3"/>
   <p:notesSz cx="6858000" cy="9144000"/>
@@ -200,7 +203,7 @@
           <a:p>
             <a:fld id="{D741ED3E-8EBE-48F3-BC7B-9D3A0B1198D4}" type="datetimeFigureOut">
               <a:rPr lang="ru-RU" smtClean="0"/>
-              <a:t>30.03.2022</a:t>
+              <a:t>31.03.2022</a:t>
             </a:fld>
             <a:endParaRPr lang="ru-RU"/>
           </a:p>
@@ -733,7 +736,7 @@
           <a:p>
             <a:fld id="{756AF8E4-984F-4976-99E2-A1A8995AD39F}" type="datetimeFigureOut">
               <a:rPr lang="ru-RU" smtClean="0"/>
-              <a:t>30.03.2022</a:t>
+              <a:t>31.03.2022</a:t>
             </a:fld>
             <a:endParaRPr lang="ru-RU"/>
           </a:p>
@@ -903,7 +906,7 @@
           <a:p>
             <a:fld id="{756AF8E4-984F-4976-99E2-A1A8995AD39F}" type="datetimeFigureOut">
               <a:rPr lang="ru-RU" smtClean="0"/>
-              <a:t>30.03.2022</a:t>
+              <a:t>31.03.2022</a:t>
             </a:fld>
             <a:endParaRPr lang="ru-RU"/>
           </a:p>
@@ -1083,7 +1086,7 @@
           <a:p>
             <a:fld id="{756AF8E4-984F-4976-99E2-A1A8995AD39F}" type="datetimeFigureOut">
               <a:rPr lang="ru-RU" smtClean="0"/>
-              <a:t>30.03.2022</a:t>
+              <a:t>31.03.2022</a:t>
             </a:fld>
             <a:endParaRPr lang="ru-RU"/>
           </a:p>
@@ -1253,7 +1256,7 @@
           <a:p>
             <a:fld id="{756AF8E4-984F-4976-99E2-A1A8995AD39F}" type="datetimeFigureOut">
               <a:rPr lang="ru-RU" smtClean="0"/>
-              <a:t>30.03.2022</a:t>
+              <a:t>31.03.2022</a:t>
             </a:fld>
             <a:endParaRPr lang="ru-RU"/>
           </a:p>
@@ -1499,7 +1502,7 @@
           <a:p>
             <a:fld id="{756AF8E4-984F-4976-99E2-A1A8995AD39F}" type="datetimeFigureOut">
               <a:rPr lang="ru-RU" smtClean="0"/>
-              <a:t>30.03.2022</a:t>
+              <a:t>31.03.2022</a:t>
             </a:fld>
             <a:endParaRPr lang="ru-RU"/>
           </a:p>
@@ -1787,7 +1790,7 @@
           <a:p>
             <a:fld id="{756AF8E4-984F-4976-99E2-A1A8995AD39F}" type="datetimeFigureOut">
               <a:rPr lang="ru-RU" smtClean="0"/>
-              <a:t>30.03.2022</a:t>
+              <a:t>31.03.2022</a:t>
             </a:fld>
             <a:endParaRPr lang="ru-RU"/>
           </a:p>
@@ -2209,7 +2212,7 @@
           <a:p>
             <a:fld id="{756AF8E4-984F-4976-99E2-A1A8995AD39F}" type="datetimeFigureOut">
               <a:rPr lang="ru-RU" smtClean="0"/>
-              <a:t>30.03.2022</a:t>
+              <a:t>31.03.2022</a:t>
             </a:fld>
             <a:endParaRPr lang="ru-RU"/>
           </a:p>
@@ -2327,7 +2330,7 @@
           <a:p>
             <a:fld id="{756AF8E4-984F-4976-99E2-A1A8995AD39F}" type="datetimeFigureOut">
               <a:rPr lang="ru-RU" smtClean="0"/>
-              <a:t>30.03.2022</a:t>
+              <a:t>31.03.2022</a:t>
             </a:fld>
             <a:endParaRPr lang="ru-RU"/>
           </a:p>
@@ -2422,7 +2425,7 @@
           <a:p>
             <a:fld id="{756AF8E4-984F-4976-99E2-A1A8995AD39F}" type="datetimeFigureOut">
               <a:rPr lang="ru-RU" smtClean="0"/>
-              <a:t>30.03.2022</a:t>
+              <a:t>31.03.2022</a:t>
             </a:fld>
             <a:endParaRPr lang="ru-RU"/>
           </a:p>
@@ -2699,7 +2702,7 @@
           <a:p>
             <a:fld id="{756AF8E4-984F-4976-99E2-A1A8995AD39F}" type="datetimeFigureOut">
               <a:rPr lang="ru-RU" smtClean="0"/>
-              <a:t>30.03.2022</a:t>
+              <a:t>31.03.2022</a:t>
             </a:fld>
             <a:endParaRPr lang="ru-RU"/>
           </a:p>
@@ -2952,7 +2955,7 @@
           <a:p>
             <a:fld id="{756AF8E4-984F-4976-99E2-A1A8995AD39F}" type="datetimeFigureOut">
               <a:rPr lang="ru-RU" smtClean="0"/>
-              <a:t>30.03.2022</a:t>
+              <a:t>31.03.2022</a:t>
             </a:fld>
             <a:endParaRPr lang="ru-RU"/>
           </a:p>
@@ -3165,7 +3168,7 @@
           <a:p>
             <a:fld id="{756AF8E4-984F-4976-99E2-A1A8995AD39F}" type="datetimeFigureOut">
               <a:rPr lang="ru-RU" smtClean="0"/>
-              <a:t>30.03.2022</a:t>
+              <a:t>31.03.2022</a:t>
             </a:fld>
             <a:endParaRPr lang="ru-RU"/>
           </a:p>
@@ -3573,17 +3576,39 @@
             <p:ph type="subTitle" idx="1"/>
           </p:nvPr>
         </p:nvSpPr>
-        <p:spPr/>
-        <p:txBody>
-          <a:bodyPr/>
+        <p:spPr>
+          <a:xfrm>
+            <a:off x="2411760" y="5229200"/>
+            <a:ext cx="6400800" cy="1270992"/>
+          </a:xfrm>
+        </p:spPr>
+        <p:txBody>
+          <a:bodyPr>
+            <a:normAutofit/>
+          </a:bodyPr>
           <a:lstStyle/>
           <a:p>
             <a:pPr algn="r"/>
             <a:r>
-              <a:rPr lang="ru-RU" dirty="0" smtClean="0"/>
+              <a:rPr lang="ru-RU" sz="2800" i="1" dirty="0" smtClean="0"/>
+              <a:t>Исполнитель: </a:t>
+            </a:r>
+            <a:r>
+              <a:rPr lang="ru-RU" sz="2800" dirty="0" smtClean="0"/>
               <a:t>Алексей Зверев</a:t>
             </a:r>
-            <a:endParaRPr lang="ru-RU" dirty="0"/>
+          </a:p>
+          <a:p>
+            <a:pPr algn="r"/>
+            <a:r>
+              <a:rPr lang="ru-RU" sz="2800" i="1" dirty="0" smtClean="0"/>
+              <a:t>Заказчик: </a:t>
+            </a:r>
+            <a:r>
+              <a:rPr lang="ru-RU" sz="2800" dirty="0" smtClean="0"/>
+              <a:t>Полина Силина</a:t>
+            </a:r>
+            <a:endParaRPr lang="ru-RU" sz="2800" dirty="0"/>
           </a:p>
         </p:txBody>
       </p:sp>
@@ -3597,6 +3622,344 @@
   <p:clrMapOvr>
     <a:masterClrMapping/>
   </p:clrMapOvr>
+  <p:timing>
+    <p:tnLst>
+      <p:par>
+        <p:cTn id="1" dur="indefinite" restart="never" nodeType="tmRoot"/>
+      </p:par>
+    </p:tnLst>
+  </p:timing>
+</p:sld>
+</file>
+
+<file path=ppt/slides/slide10.xml><?xml version="1.0" encoding="utf-8"?>
+<p:sld xmlns:a="http://schemas.openxmlformats.org/drawingml/2006/main" xmlns:r="http://schemas.openxmlformats.org/officeDocument/2006/relationships" xmlns:p="http://schemas.openxmlformats.org/presentationml/2006/main">
+  <p:cSld>
+    <p:spTree>
+      <p:nvGrpSpPr>
+        <p:cNvPr id="1" name=""/>
+        <p:cNvGrpSpPr/>
+        <p:nvPr/>
+      </p:nvGrpSpPr>
+      <p:grpSpPr>
+        <a:xfrm>
+          <a:off x="0" y="0"/>
+          <a:ext cx="0" cy="0"/>
+          <a:chOff x="0" y="0"/>
+          <a:chExt cx="0" cy="0"/>
+        </a:xfrm>
+      </p:grpSpPr>
+      <p:sp>
+        <p:nvSpPr>
+          <p:cNvPr id="2" name="Заголовок 1"/>
+          <p:cNvSpPr>
+            <a:spLocks noGrp="1"/>
+          </p:cNvSpPr>
+          <p:nvPr>
+            <p:ph type="title"/>
+          </p:nvPr>
+        </p:nvSpPr>
+        <p:spPr>
+          <a:xfrm>
+            <a:off x="457200" y="2780928"/>
+            <a:ext cx="8229600" cy="1143000"/>
+          </a:xfrm>
+        </p:spPr>
+        <p:txBody>
+          <a:bodyPr/>
+          <a:lstStyle/>
+          <a:p>
+            <a:r>
+              <a:rPr lang="ru-RU" dirty="0" smtClean="0"/>
+              <a:t>Спасибо за внимание</a:t>
+            </a:r>
+            <a:endParaRPr lang="ru-RU" dirty="0"/>
+          </a:p>
+        </p:txBody>
+      </p:sp>
+    </p:spTree>
+    <p:extLst>
+      <p:ext uri="{BB962C8B-B14F-4D97-AF65-F5344CB8AC3E}">
+        <p14:creationId xmlns:p14="http://schemas.microsoft.com/office/powerpoint/2010/main" val="2124487503"/>
+      </p:ext>
+    </p:extLst>
+  </p:cSld>
+  <p:clrMapOvr>
+    <a:masterClrMapping/>
+  </p:clrMapOvr>
+  <p:timing>
+    <p:tnLst>
+      <p:par>
+        <p:cTn id="1" dur="indefinite" restart="never" nodeType="tmRoot"/>
+      </p:par>
+    </p:tnLst>
+  </p:timing>
+</p:sld>
+</file>
+
+<file path=ppt/slides/slide11.xml><?xml version="1.0" encoding="utf-8"?>
+<p:sld xmlns:a="http://schemas.openxmlformats.org/drawingml/2006/main" xmlns:r="http://schemas.openxmlformats.org/officeDocument/2006/relationships" xmlns:p="http://schemas.openxmlformats.org/presentationml/2006/main">
+  <p:cSld>
+    <p:spTree>
+      <p:nvGrpSpPr>
+        <p:cNvPr id="1" name=""/>
+        <p:cNvGrpSpPr/>
+        <p:nvPr/>
+      </p:nvGrpSpPr>
+      <p:grpSpPr>
+        <a:xfrm>
+          <a:off x="0" y="0"/>
+          <a:ext cx="0" cy="0"/>
+          <a:chOff x="0" y="0"/>
+          <a:chExt cx="0" cy="0"/>
+        </a:xfrm>
+      </p:grpSpPr>
+      <p:sp>
+        <p:nvSpPr>
+          <p:cNvPr id="2" name="Заголовок 1"/>
+          <p:cNvSpPr>
+            <a:spLocks noGrp="1"/>
+          </p:cNvSpPr>
+          <p:nvPr>
+            <p:ph type="title"/>
+          </p:nvPr>
+        </p:nvSpPr>
+        <p:spPr>
+          <a:xfrm>
+            <a:off x="457200" y="188640"/>
+            <a:ext cx="8229600" cy="1143000"/>
+          </a:xfrm>
+        </p:spPr>
+        <p:txBody>
+          <a:bodyPr/>
+          <a:lstStyle/>
+          <a:p>
+            <a:r>
+              <a:rPr lang="ru-RU" dirty="0" smtClean="0"/>
+              <a:t>Спасибо за внимание</a:t>
+            </a:r>
+            <a:endParaRPr lang="ru-RU" dirty="0"/>
+          </a:p>
+        </p:txBody>
+      </p:sp>
+      <p:pic>
+        <p:nvPicPr>
+          <p:cNvPr id="3074" name="Picture 2"/>
+          <p:cNvPicPr>
+            <a:picLocks noChangeAspect="1" noChangeArrowheads="1"/>
+          </p:cNvPicPr>
+          <p:nvPr/>
+        </p:nvPicPr>
+        <p:blipFill>
+          <a:blip r:embed="rId2">
+            <a:extLst>
+              <a:ext uri="{28A0092B-C50C-407E-A947-70E740481C1C}">
+                <a14:useLocalDpi xmlns:a14="http://schemas.microsoft.com/office/drawing/2010/main" val="0"/>
+              </a:ext>
+            </a:extLst>
+          </a:blip>
+          <a:srcRect/>
+          <a:stretch>
+            <a:fillRect/>
+          </a:stretch>
+        </p:blipFill>
+        <p:spPr bwMode="auto">
+          <a:xfrm>
+            <a:off x="274601" y="1772816"/>
+            <a:ext cx="8594798" cy="4176464"/>
+          </a:xfrm>
+          <a:prstGeom prst="rect">
+            <a:avLst/>
+          </a:prstGeom>
+          <a:noFill/>
+          <a:ln>
+            <a:noFill/>
+          </a:ln>
+          <a:effectLst/>
+          <a:extLst>
+            <a:ext uri="{909E8E84-426E-40DD-AFC4-6F175D3DCCD1}">
+              <a14:hiddenFill xmlns:a14="http://schemas.microsoft.com/office/drawing/2010/main">
+                <a:solidFill>
+                  <a:schemeClr val="accent1"/>
+                </a:solidFill>
+              </a14:hiddenFill>
+            </a:ext>
+            <a:ext uri="{91240B29-F687-4F45-9708-019B960494DF}">
+              <a14:hiddenLine xmlns:a14="http://schemas.microsoft.com/office/drawing/2010/main" w="9525">
+                <a:solidFill>
+                  <a:schemeClr val="tx1"/>
+                </a:solidFill>
+                <a:miter lim="800000"/>
+                <a:headEnd/>
+                <a:tailEnd/>
+              </a14:hiddenLine>
+            </a:ext>
+            <a:ext uri="{AF507438-7753-43E0-B8FC-AC1667EBCBE1}">
+              <a14:hiddenEffects xmlns:a14="http://schemas.microsoft.com/office/drawing/2010/main">
+                <a:effectLst>
+                  <a:outerShdw dist="35921" dir="2700000" algn="ctr" rotWithShape="0">
+                    <a:schemeClr val="bg2"/>
+                  </a:outerShdw>
+                </a:effectLst>
+              </a14:hiddenEffects>
+            </a:ext>
+          </a:extLst>
+        </p:spPr>
+      </p:pic>
+    </p:spTree>
+    <p:extLst>
+      <p:ext uri="{BB962C8B-B14F-4D97-AF65-F5344CB8AC3E}">
+        <p14:creationId xmlns:p14="http://schemas.microsoft.com/office/powerpoint/2010/main" val="267742901"/>
+      </p:ext>
+    </p:extLst>
+  </p:cSld>
+  <p:clrMapOvr>
+    <a:masterClrMapping/>
+  </p:clrMapOvr>
+  <p:timing>
+    <p:tnLst>
+      <p:par>
+        <p:cTn id="1" dur="indefinite" restart="never" nodeType="tmRoot"/>
+      </p:par>
+    </p:tnLst>
+  </p:timing>
+</p:sld>
+</file>
+
+<file path=ppt/slides/slide12.xml><?xml version="1.0" encoding="utf-8"?>
+<p:sld xmlns:a="http://schemas.openxmlformats.org/drawingml/2006/main" xmlns:r="http://schemas.openxmlformats.org/officeDocument/2006/relationships" xmlns:p="http://schemas.openxmlformats.org/presentationml/2006/main">
+  <p:cSld>
+    <p:bg>
+      <p:bgPr>
+        <a:solidFill>
+          <a:schemeClr val="bg1"/>
+        </a:solidFill>
+        <a:effectLst/>
+      </p:bgPr>
+    </p:bg>
+    <p:spTree>
+      <p:nvGrpSpPr>
+        <p:cNvPr id="1" name=""/>
+        <p:cNvGrpSpPr/>
+        <p:nvPr/>
+      </p:nvGrpSpPr>
+      <p:grpSpPr>
+        <a:xfrm>
+          <a:off x="0" y="0"/>
+          <a:ext cx="0" cy="0"/>
+          <a:chOff x="0" y="0"/>
+          <a:chExt cx="0" cy="0"/>
+        </a:xfrm>
+      </p:grpSpPr>
+      <p:sp>
+        <p:nvSpPr>
+          <p:cNvPr id="2" name="Заголовок 1"/>
+          <p:cNvSpPr>
+            <a:spLocks noGrp="1"/>
+          </p:cNvSpPr>
+          <p:nvPr>
+            <p:ph type="title"/>
+          </p:nvPr>
+        </p:nvSpPr>
+        <p:spPr/>
+        <p:txBody>
+          <a:bodyPr/>
+          <a:lstStyle/>
+          <a:p>
+            <a:endParaRPr lang="ru-RU"/>
+          </a:p>
+        </p:txBody>
+      </p:sp>
+      <p:sp>
+        <p:nvSpPr>
+          <p:cNvPr id="3" name="Объект 2"/>
+          <p:cNvSpPr>
+            <a:spLocks noGrp="1"/>
+          </p:cNvSpPr>
+          <p:nvPr>
+            <p:ph idx="1"/>
+          </p:nvPr>
+        </p:nvSpPr>
+        <p:spPr/>
+        <p:txBody>
+          <a:bodyPr/>
+          <a:lstStyle/>
+          <a:p>
+            <a:endParaRPr lang="ru-RU" dirty="0"/>
+          </a:p>
+        </p:txBody>
+      </p:sp>
+      <p:pic>
+        <p:nvPicPr>
+          <p:cNvPr id="4098" name="Picture 2"/>
+          <p:cNvPicPr>
+            <a:picLocks noChangeAspect="1" noChangeArrowheads="1"/>
+          </p:cNvPicPr>
+          <p:nvPr/>
+        </p:nvPicPr>
+        <p:blipFill>
+          <a:blip r:embed="rId2">
+            <a:extLst>
+              <a:ext uri="{28A0092B-C50C-407E-A947-70E740481C1C}">
+                <a14:useLocalDpi xmlns:a14="http://schemas.microsoft.com/office/drawing/2010/main" val="0"/>
+              </a:ext>
+            </a:extLst>
+          </a:blip>
+          <a:srcRect/>
+          <a:stretch>
+            <a:fillRect/>
+          </a:stretch>
+        </p:blipFill>
+        <p:spPr bwMode="auto">
+          <a:xfrm>
+            <a:off x="1076288" y="115065"/>
+            <a:ext cx="6991424" cy="6627870"/>
+          </a:xfrm>
+          <a:prstGeom prst="rect">
+            <a:avLst/>
+          </a:prstGeom>
+          <a:noFill/>
+          <a:ln>
+            <a:noFill/>
+          </a:ln>
+          <a:extLst>
+            <a:ext uri="{909E8E84-426E-40DD-AFC4-6F175D3DCCD1}">
+              <a14:hiddenFill xmlns:a14="http://schemas.microsoft.com/office/drawing/2010/main">
+                <a:solidFill>
+                  <a:schemeClr val="accent1"/>
+                </a:solidFill>
+              </a14:hiddenFill>
+            </a:ext>
+            <a:ext uri="{91240B29-F687-4F45-9708-019B960494DF}">
+              <a14:hiddenLine xmlns:a14="http://schemas.microsoft.com/office/drawing/2010/main" w="9525">
+                <a:solidFill>
+                  <a:schemeClr val="tx1"/>
+                </a:solidFill>
+                <a:miter lim="800000"/>
+                <a:headEnd/>
+                <a:tailEnd/>
+              </a14:hiddenLine>
+            </a:ext>
+          </a:extLst>
+        </p:spPr>
+      </p:pic>
+    </p:spTree>
+    <p:extLst>
+      <p:ext uri="{BB962C8B-B14F-4D97-AF65-F5344CB8AC3E}">
+        <p14:creationId xmlns:p14="http://schemas.microsoft.com/office/powerpoint/2010/main" val="493606282"/>
+      </p:ext>
+    </p:extLst>
+  </p:cSld>
+  <p:clrMapOvr>
+    <a:masterClrMapping/>
+  </p:clrMapOvr>
+  <p:timing>
+    <p:tnLst>
+      <p:par>
+        <p:cTn id="1" dur="indefinite" restart="never" nodeType="tmRoot"/>
+      </p:par>
+    </p:tnLst>
+  </p:timing>
 </p:sld>
 </file>
 
@@ -3680,7 +4043,7 @@
             </a:r>
             <a:r>
               <a:rPr lang="ru-RU" dirty="0" smtClean="0"/>
-              <a:t>реализация и проверка эффективности алгоритмов сжатия данных (текста).</a:t>
+              <a:t>реализация и проверка эффективности алгоритмов сжатия данных.</a:t>
             </a:r>
           </a:p>
         </p:txBody>
@@ -3948,7 +4311,6 @@
               <a:rPr lang="ru-RU" dirty="0"/>
               <a:t>Должна иметься возможность автоматически создавать тесты и просматривать результат в удобном виде.</a:t>
             </a:r>
-            <a:endParaRPr lang="ru-RU" dirty="0"/>
           </a:p>
         </p:txBody>
       </p:sp>
@@ -3962,6 +4324,13 @@
   <p:clrMapOvr>
     <a:masterClrMapping/>
   </p:clrMapOvr>
+  <p:timing>
+    <p:tnLst>
+      <p:par>
+        <p:cTn id="1" dur="indefinite" restart="never" nodeType="tmRoot"/>
+      </p:par>
+    </p:tnLst>
+  </p:timing>
 </p:sld>
 </file>
 
@@ -4032,7 +4401,15 @@
             </a:pPr>
             <a:r>
               <a:rPr lang="ru-RU" dirty="0" smtClean="0"/>
-              <a:t>Программа сжимает все файлы, сохраняет их и выводит результат в консоль и </a:t>
+              <a:t>Программа сжимает все файлы тестов, сохраняет в сжатом виде</a:t>
+            </a:r>
+            <a:r>
+              <a:rPr lang="ru-RU" dirty="0"/>
+              <a:t>. Выводит сводку </a:t>
+            </a:r>
+            <a:r>
+              <a:rPr lang="ru-RU" dirty="0" smtClean="0"/>
+              <a:t>в консоль и </a:t>
             </a:r>
             <a:r>
               <a:rPr lang="en-US" dirty="0" smtClean="0"/>
@@ -4045,12 +4422,6 @@
           </a:p>
           <a:p>
             <a:pPr marL="0" indent="0">
-              <a:lnSpc>
-                <a:spcPct val="120000"/>
-              </a:lnSpc>
-              <a:spcBef>
-                <a:spcPts val="0"/>
-              </a:spcBef>
               <a:buNone/>
             </a:pPr>
             <a:r>
@@ -4216,6 +4587,13 @@
   <p:clrMapOvr>
     <a:masterClrMapping/>
   </p:clrMapOvr>
+  <p:timing>
+    <p:tnLst>
+      <p:par>
+        <p:cTn id="1" dur="indefinite" restart="never" nodeType="tmRoot"/>
+      </p:par>
+    </p:tnLst>
+  </p:timing>
 </p:sld>
 </file>
 
@@ -4248,7 +4626,7 @@
         </p:nvSpPr>
         <p:spPr>
           <a:xfrm>
-            <a:off x="457200" y="2492896"/>
+            <a:off x="539552" y="476672"/>
             <a:ext cx="8229600" cy="1143000"/>
           </a:xfrm>
         </p:spPr>
@@ -4264,16 +4642,57 @@
           </a:p>
         </p:txBody>
       </p:sp>
-      <p:sp>
-        <p:nvSpPr>
-          <p:cNvPr id="4" name="TextBox 3"/>
+      <p:pic>
+        <p:nvPicPr>
+          <p:cNvPr id="1026" name="Picture 2" descr="http://qrcoder.ru/code/?https%3A%2F%2Fgithub.com%2Fleschtsch%2Fcompressor&amp;4&amp;0"/>
+          <p:cNvPicPr>
+            <a:picLocks noChangeAspect="1" noChangeArrowheads="1"/>
+          </p:cNvPicPr>
+          <p:nvPr/>
+        </p:nvPicPr>
+        <p:blipFill>
+          <a:blip r:embed="rId3">
+            <a:extLst>
+              <a:ext uri="{28A0092B-C50C-407E-A947-70E740481C1C}">
+                <a14:useLocalDpi xmlns:a14="http://schemas.microsoft.com/office/drawing/2010/main" val="0"/>
+              </a:ext>
+            </a:extLst>
+          </a:blip>
+          <a:srcRect/>
+          <a:stretch>
+            <a:fillRect/>
+          </a:stretch>
+        </p:blipFill>
+        <p:spPr bwMode="auto">
+          <a:xfrm>
+            <a:off x="2699792" y="1844824"/>
+            <a:ext cx="3744416" cy="3744416"/>
+          </a:xfrm>
+          <a:prstGeom prst="rect">
+            <a:avLst/>
+          </a:prstGeom>
+          <a:noFill/>
+          <a:extLst>
+            <a:ext uri="{909E8E84-426E-40DD-AFC4-6F175D3DCCD1}">
+              <a14:hiddenFill xmlns:a14="http://schemas.microsoft.com/office/drawing/2010/main">
+                <a:solidFill>
+                  <a:srgbClr val="FFFFFF"/>
+                </a:solidFill>
+              </a14:hiddenFill>
+            </a:ext>
+          </a:extLst>
+        </p:spPr>
+      </p:pic>
+      <p:sp>
+        <p:nvSpPr>
+          <p:cNvPr id="5" name="TextBox 4"/>
           <p:cNvSpPr txBox="1"/>
           <p:nvPr/>
         </p:nvSpPr>
         <p:spPr>
           <a:xfrm>
-            <a:off x="2622289" y="3928492"/>
-            <a:ext cx="3899422" cy="461665"/>
+            <a:off x="3148501" y="5803115"/>
+            <a:ext cx="2846998" cy="523220"/>
           </a:xfrm>
           <a:prstGeom prst="rect">
             <a:avLst/>
@@ -4281,29 +4700,20 @@
           <a:noFill/>
         </p:spPr>
         <p:txBody>
-          <a:bodyPr wrap="square" rtlCol="0">
+          <a:bodyPr wrap="none" rtlCol="0">
             <a:spAutoFit/>
           </a:bodyPr>
           <a:lstStyle/>
           <a:p>
-            <a:pPr algn="ctr"/>
-            <a:r>
-              <a:rPr lang="ru-RU" sz="2400" i="1" dirty="0" smtClean="0"/>
+            <a:r>
+              <a:rPr lang="ru-RU" sz="2800" i="1" dirty="0" smtClean="0"/>
               <a:t>Ссылка на </a:t>
             </a:r>
             <a:r>
-              <a:rPr lang="en-US" sz="2400" i="1" dirty="0" smtClean="0"/>
-              <a:t>GitHub – </a:t>
-            </a:r>
-            <a:r>
-              <a:rPr lang="ru-RU" sz="2400" i="1" dirty="0" smtClean="0"/>
-              <a:t>в </a:t>
-            </a:r>
-            <a:r>
-              <a:rPr lang="en-US" sz="2400" i="1" dirty="0" smtClean="0"/>
-              <a:t>VK</a:t>
-            </a:r>
-            <a:endParaRPr lang="ru-RU" sz="2400" i="1" dirty="0"/>
+              <a:rPr lang="en-US" sz="2800" i="1" dirty="0" smtClean="0"/>
+              <a:t>GitHub</a:t>
+            </a:r>
+            <a:endParaRPr lang="ru-RU" sz="2800" i="1" dirty="0"/>
           </a:p>
         </p:txBody>
       </p:sp>
@@ -4317,6 +4727,13 @@
   <p:clrMapOvr>
     <a:masterClrMapping/>
   </p:clrMapOvr>
+  <p:timing>
+    <p:tnLst>
+      <p:par>
+        <p:cTn id="1" dur="indefinite" restart="never" nodeType="tmRoot"/>
+      </p:par>
+    </p:tnLst>
+  </p:timing>
 </p:sld>
 </file>
 
@@ -4375,19 +4792,86 @@
           <a:bodyPr/>
           <a:lstStyle/>
           <a:p>
+            <a:pPr marL="0" indent="0">
+              <a:buNone/>
+            </a:pPr>
             <a:r>
               <a:rPr lang="ru-RU" dirty="0" smtClean="0"/>
-              <a:t>Реализация арифметического кодирования;</a:t>
-            </a:r>
-          </a:p>
-          <a:p>
-            <a:r>
-              <a:rPr lang="ru-RU" dirty="0" smtClean="0"/>
-              <a:t>Оптимизация</a:t>
-            </a:r>
-          </a:p>
-        </p:txBody>
-      </p:sp>
+              <a:t>Реализация арифметического кодирования.</a:t>
+            </a:r>
+          </a:p>
+          <a:p>
+            <a:pPr marL="0" indent="0">
+              <a:buNone/>
+            </a:pPr>
+            <a:endParaRPr lang="ru-RU" dirty="0" smtClean="0"/>
+          </a:p>
+        </p:txBody>
+      </p:sp>
+      <p:pic>
+        <p:nvPicPr>
+          <p:cNvPr id="4" name="Picture 3"/>
+          <p:cNvPicPr>
+            <a:picLocks noChangeAspect="1" noChangeArrowheads="1"/>
+          </p:cNvPicPr>
+          <p:nvPr/>
+        </p:nvPicPr>
+        <p:blipFill>
+          <a:blip r:embed="rId2">
+            <a:extLst>
+              <a:ext uri="{28A0092B-C50C-407E-A947-70E740481C1C}">
+                <a14:useLocalDpi xmlns:a14="http://schemas.microsoft.com/office/drawing/2010/main" val="0"/>
+              </a:ext>
+            </a:extLst>
+          </a:blip>
+          <a:srcRect/>
+          <a:stretch>
+            <a:fillRect/>
+          </a:stretch>
+        </p:blipFill>
+        <p:spPr bwMode="auto">
+          <a:xfrm>
+            <a:off x="1747837" y="2708920"/>
+            <a:ext cx="5648325" cy="2838450"/>
+          </a:xfrm>
+          <a:prstGeom prst="rect">
+            <a:avLst/>
+          </a:prstGeom>
+          <a:noFill/>
+          <a:ln>
+            <a:noFill/>
+          </a:ln>
+          <a:effectLst/>
+          <a:extLst>
+            <a:ext uri="{909E8E84-426E-40DD-AFC4-6F175D3DCCD1}">
+              <a14:hiddenFill xmlns:a14="http://schemas.microsoft.com/office/drawing/2010/main">
+                <a:solidFill>
+                  <a:schemeClr val="accent1"/>
+                </a:solidFill>
+              </a14:hiddenFill>
+            </a:ext>
+            <a:ext uri="{91240B29-F687-4F45-9708-019B960494DF}">
+              <a14:hiddenLine xmlns:a14="http://schemas.microsoft.com/office/drawing/2010/main" w="9525">
+                <a:solidFill>
+                  <a:schemeClr val="tx1"/>
+                </a:solidFill>
+                <a:miter lim="800000"/>
+                <a:headEnd/>
+                <a:tailEnd/>
+              </a14:hiddenLine>
+            </a:ext>
+            <a:ext uri="{AF507438-7753-43E0-B8FC-AC1667EBCBE1}">
+              <a14:hiddenEffects xmlns:a14="http://schemas.microsoft.com/office/drawing/2010/main">
+                <a:effectLst>
+                  <a:outerShdw dist="35921" dir="2700000" algn="ctr" rotWithShape="0">
+                    <a:schemeClr val="bg2"/>
+                  </a:outerShdw>
+                </a:effectLst>
+              </a14:hiddenEffects>
+            </a:ext>
+          </a:extLst>
+        </p:spPr>
+      </p:pic>
     </p:spTree>
     <p:extLst>
       <p:ext uri="{BB962C8B-B14F-4D97-AF65-F5344CB8AC3E}">
@@ -4398,6 +4882,13 @@
   <p:clrMapOvr>
     <a:masterClrMapping/>
   </p:clrMapOvr>
+  <p:timing>
+    <p:tnLst>
+      <p:par>
+        <p:cTn id="1" dur="indefinite" restart="never" nodeType="tmRoot"/>
+      </p:par>
+    </p:tnLst>
+  </p:timing>
 </p:sld>
 </file>
 
@@ -4606,6 +5097,13 @@
   <p:clrMapOvr>
     <a:masterClrMapping/>
   </p:clrMapOvr>
+  <p:timing>
+    <p:tnLst>
+      <p:par>
+        <p:cTn id="1" dur="indefinite" restart="never" nodeType="tmRoot"/>
+      </p:par>
+    </p:tnLst>
+  </p:timing>
 </p:sld>
 </file>
 
@@ -5051,6 +5549,13 @@
   <p:clrMapOvr>
     <a:masterClrMapping/>
   </p:clrMapOvr>
+  <p:timing>
+    <p:tnLst>
+      <p:par>
+        <p:cTn id="1" dur="indefinite" restart="never" nodeType="tmRoot"/>
+      </p:par>
+    </p:tnLst>
+  </p:timing>
 </p:sld>
 </file>
 
@@ -5392,6 +5897,13 @@
   <p:clrMapOvr>
     <a:masterClrMapping/>
   </p:clrMapOvr>
+  <p:timing>
+    <p:tnLst>
+      <p:par>
+        <p:cTn id="1" dur="indefinite" restart="never" nodeType="tmRoot"/>
+      </p:par>
+    </p:tnLst>
+  </p:timing>
 </p:sld>
 </file>
 
@@ -5482,251 +5994,6 @@
           </a:extLst>
         </p:spPr>
       </p:pic>
-      <p:pic>
-        <p:nvPicPr>
-          <p:cNvPr id="4099" name="Picture 3"/>
-          <p:cNvPicPr>
-            <a:picLocks noChangeAspect="1" noChangeArrowheads="1"/>
-          </p:cNvPicPr>
-          <p:nvPr/>
-        </p:nvPicPr>
-        <p:blipFill>
-          <a:blip r:embed="rId3">
-            <a:extLst>
-              <a:ext uri="{28A0092B-C50C-407E-A947-70E740481C1C}">
-                <a14:useLocalDpi xmlns:a14="http://schemas.microsoft.com/office/drawing/2010/main" val="0"/>
-              </a:ext>
-            </a:extLst>
-          </a:blip>
-          <a:srcRect/>
-          <a:stretch>
-            <a:fillRect/>
-          </a:stretch>
-        </p:blipFill>
-        <p:spPr bwMode="auto">
-          <a:xfrm>
-            <a:off x="2771800" y="3717032"/>
-            <a:ext cx="5648325" cy="2838450"/>
-          </a:xfrm>
-          <a:prstGeom prst="rect">
-            <a:avLst/>
-          </a:prstGeom>
-          <a:noFill/>
-          <a:ln>
-            <a:noFill/>
-          </a:ln>
-          <a:effectLst/>
-          <a:extLst>
-            <a:ext uri="{909E8E84-426E-40DD-AFC4-6F175D3DCCD1}">
-              <a14:hiddenFill xmlns:a14="http://schemas.microsoft.com/office/drawing/2010/main">
-                <a:solidFill>
-                  <a:schemeClr val="accent1"/>
-                </a:solidFill>
-              </a14:hiddenFill>
-            </a:ext>
-            <a:ext uri="{91240B29-F687-4F45-9708-019B960494DF}">
-              <a14:hiddenLine xmlns:a14="http://schemas.microsoft.com/office/drawing/2010/main" w="9525">
-                <a:solidFill>
-                  <a:schemeClr val="tx1"/>
-                </a:solidFill>
-                <a:miter lim="800000"/>
-                <a:headEnd/>
-                <a:tailEnd/>
-              </a14:hiddenLine>
-            </a:ext>
-            <a:ext uri="{AF507438-7753-43E0-B8FC-AC1667EBCBE1}">
-              <a14:hiddenEffects xmlns:a14="http://schemas.microsoft.com/office/drawing/2010/main">
-                <a:effectLst>
-                  <a:outerShdw dist="35921" dir="2700000" algn="ctr" rotWithShape="0">
-                    <a:schemeClr val="bg2"/>
-                  </a:outerShdw>
-                </a:effectLst>
-              </a14:hiddenEffects>
-            </a:ext>
-          </a:extLst>
-        </p:spPr>
-      </p:pic>
-      <p:sp>
-        <p:nvSpPr>
-          <p:cNvPr id="6" name="Объект 2"/>
-          <p:cNvSpPr txBox="1">
-            <a:spLocks/>
-          </p:cNvSpPr>
-          <p:nvPr/>
-        </p:nvSpPr>
-        <p:spPr>
-          <a:xfrm>
-            <a:off x="190525" y="3920569"/>
-            <a:ext cx="8229600" cy="820688"/>
-          </a:xfrm>
-          <a:prstGeom prst="rect">
-            <a:avLst/>
-          </a:prstGeom>
-        </p:spPr>
-        <p:txBody>
-          <a:bodyPr vert="horz" lIns="91440" tIns="45720" rIns="91440" bIns="45720" rtlCol="0">
-            <a:normAutofit fontScale="77500" lnSpcReduction="20000"/>
-          </a:bodyPr>
-          <a:lstStyle>
-            <a:lvl1pPr marL="342900" indent="-342900" algn="l" defTabSz="914400" rtl="0" eaLnBrk="1" latinLnBrk="0" hangingPunct="1">
-              <a:spcBef>
-                <a:spcPct val="20000"/>
-              </a:spcBef>
-              <a:buFont typeface="Arial" panose="020B0604020202020204" pitchFamily="34" charset="0"/>
-              <a:buChar char="•"/>
-              <a:defRPr sz="3200" kern="1200">
-                <a:solidFill>
-                  <a:schemeClr val="tx1"/>
-                </a:solidFill>
-                <a:latin typeface="+mn-lt"/>
-                <a:ea typeface="+mn-ea"/>
-                <a:cs typeface="+mn-cs"/>
-              </a:defRPr>
-            </a:lvl1pPr>
-            <a:lvl2pPr marL="742950" indent="-285750" algn="l" defTabSz="914400" rtl="0" eaLnBrk="1" latinLnBrk="0" hangingPunct="1">
-              <a:spcBef>
-                <a:spcPct val="20000"/>
-              </a:spcBef>
-              <a:buFont typeface="Arial" panose="020B0604020202020204" pitchFamily="34" charset="0"/>
-              <a:buChar char="–"/>
-              <a:defRPr sz="2800" kern="1200">
-                <a:solidFill>
-                  <a:schemeClr val="tx1"/>
-                </a:solidFill>
-                <a:latin typeface="+mn-lt"/>
-                <a:ea typeface="+mn-ea"/>
-                <a:cs typeface="+mn-cs"/>
-              </a:defRPr>
-            </a:lvl2pPr>
-            <a:lvl3pPr marL="1143000" indent="-228600" algn="l" defTabSz="914400" rtl="0" eaLnBrk="1" latinLnBrk="0" hangingPunct="1">
-              <a:spcBef>
-                <a:spcPct val="20000"/>
-              </a:spcBef>
-              <a:buFont typeface="Arial" panose="020B0604020202020204" pitchFamily="34" charset="0"/>
-              <a:buChar char="•"/>
-              <a:defRPr sz="2400" kern="1200">
-                <a:solidFill>
-                  <a:schemeClr val="tx1"/>
-                </a:solidFill>
-                <a:latin typeface="+mn-lt"/>
-                <a:ea typeface="+mn-ea"/>
-                <a:cs typeface="+mn-cs"/>
-              </a:defRPr>
-            </a:lvl3pPr>
-            <a:lvl4pPr marL="1600200" indent="-228600" algn="l" defTabSz="914400" rtl="0" eaLnBrk="1" latinLnBrk="0" hangingPunct="1">
-              <a:spcBef>
-                <a:spcPct val="20000"/>
-              </a:spcBef>
-              <a:buFont typeface="Arial" panose="020B0604020202020204" pitchFamily="34" charset="0"/>
-              <a:buChar char="–"/>
-              <a:defRPr sz="2000" kern="1200">
-                <a:solidFill>
-                  <a:schemeClr val="tx1"/>
-                </a:solidFill>
-                <a:latin typeface="+mn-lt"/>
-                <a:ea typeface="+mn-ea"/>
-                <a:cs typeface="+mn-cs"/>
-              </a:defRPr>
-            </a:lvl4pPr>
-            <a:lvl5pPr marL="2057400" indent="-228600" algn="l" defTabSz="914400" rtl="0" eaLnBrk="1" latinLnBrk="0" hangingPunct="1">
-              <a:spcBef>
-                <a:spcPct val="20000"/>
-              </a:spcBef>
-              <a:buFont typeface="Arial" panose="020B0604020202020204" pitchFamily="34" charset="0"/>
-              <a:buChar char="»"/>
-              <a:defRPr sz="2000" kern="1200">
-                <a:solidFill>
-                  <a:schemeClr val="tx1"/>
-                </a:solidFill>
-                <a:latin typeface="+mn-lt"/>
-                <a:ea typeface="+mn-ea"/>
-                <a:cs typeface="+mn-cs"/>
-              </a:defRPr>
-            </a:lvl5pPr>
-            <a:lvl6pPr marL="2514600" indent="-228600" algn="l" defTabSz="914400" rtl="0" eaLnBrk="1" latinLnBrk="0" hangingPunct="1">
-              <a:spcBef>
-                <a:spcPct val="20000"/>
-              </a:spcBef>
-              <a:buFont typeface="Arial" panose="020B0604020202020204" pitchFamily="34" charset="0"/>
-              <a:buChar char="•"/>
-              <a:defRPr sz="2000" kern="1200">
-                <a:solidFill>
-                  <a:schemeClr val="tx1"/>
-                </a:solidFill>
-                <a:latin typeface="+mn-lt"/>
-                <a:ea typeface="+mn-ea"/>
-                <a:cs typeface="+mn-cs"/>
-              </a:defRPr>
-            </a:lvl6pPr>
-            <a:lvl7pPr marL="2971800" indent="-228600" algn="l" defTabSz="914400" rtl="0" eaLnBrk="1" latinLnBrk="0" hangingPunct="1">
-              <a:spcBef>
-                <a:spcPct val="20000"/>
-              </a:spcBef>
-              <a:buFont typeface="Arial" panose="020B0604020202020204" pitchFamily="34" charset="0"/>
-              <a:buChar char="•"/>
-              <a:defRPr sz="2000" kern="1200">
-                <a:solidFill>
-                  <a:schemeClr val="tx1"/>
-                </a:solidFill>
-                <a:latin typeface="+mn-lt"/>
-                <a:ea typeface="+mn-ea"/>
-                <a:cs typeface="+mn-cs"/>
-              </a:defRPr>
-            </a:lvl7pPr>
-            <a:lvl8pPr marL="3429000" indent="-228600" algn="l" defTabSz="914400" rtl="0" eaLnBrk="1" latinLnBrk="0" hangingPunct="1">
-              <a:spcBef>
-                <a:spcPct val="20000"/>
-              </a:spcBef>
-              <a:buFont typeface="Arial" panose="020B0604020202020204" pitchFamily="34" charset="0"/>
-              <a:buChar char="•"/>
-              <a:defRPr sz="2000" kern="1200">
-                <a:solidFill>
-                  <a:schemeClr val="tx1"/>
-                </a:solidFill>
-                <a:latin typeface="+mn-lt"/>
-                <a:ea typeface="+mn-ea"/>
-                <a:cs typeface="+mn-cs"/>
-              </a:defRPr>
-            </a:lvl8pPr>
-            <a:lvl9pPr marL="3886200" indent="-228600" algn="l" defTabSz="914400" rtl="0" eaLnBrk="1" latinLnBrk="0" hangingPunct="1">
-              <a:spcBef>
-                <a:spcPct val="20000"/>
-              </a:spcBef>
-              <a:buFont typeface="Arial" panose="020B0604020202020204" pitchFamily="34" charset="0"/>
-              <a:buChar char="•"/>
-              <a:defRPr sz="2000" kern="1200">
-                <a:solidFill>
-                  <a:schemeClr val="tx1"/>
-                </a:solidFill>
-                <a:latin typeface="+mn-lt"/>
-                <a:ea typeface="+mn-ea"/>
-                <a:cs typeface="+mn-cs"/>
-              </a:defRPr>
-            </a:lvl9pPr>
-          </a:lstStyle>
-          <a:p>
-            <a:pPr marL="0" indent="0">
-              <a:buFont typeface="Arial" panose="020B0604020202020204" pitchFamily="34" charset="0"/>
-              <a:buNone/>
-            </a:pPr>
-            <a:r>
-              <a:rPr lang="ru-RU" dirty="0" smtClean="0"/>
-              <a:t>Арифметическое</a:t>
-            </a:r>
-          </a:p>
-          <a:p>
-            <a:pPr marL="0" indent="0">
-              <a:buFont typeface="Arial" panose="020B0604020202020204" pitchFamily="34" charset="0"/>
-              <a:buNone/>
-            </a:pPr>
-            <a:r>
-              <a:rPr lang="ru-RU" dirty="0" smtClean="0"/>
-              <a:t>кодирование</a:t>
-            </a:r>
-            <a:endParaRPr lang="ru-RU" dirty="0"/>
-          </a:p>
-        </p:txBody>
-      </p:sp>
     </p:spTree>
     <p:extLst>
       <p:ext uri="{BB962C8B-B14F-4D97-AF65-F5344CB8AC3E}">
@@ -5737,6 +6004,13 @@
   <p:clrMapOvr>
     <a:masterClrMapping/>
   </p:clrMapOvr>
+  <p:timing>
+    <p:tnLst>
+      <p:par>
+        <p:cTn id="1" dur="indefinite" restart="never" nodeType="tmRoot"/>
+      </p:par>
+    </p:tnLst>
+  </p:timing>
 </p:sld>
 </file>
 

--- a/Презентация.pptx
+++ b/Презентация.pptx
@@ -5,21 +5,23 @@
     <p:sldMasterId id="2147483648" r:id="rId1"/>
   </p:sldMasterIdLst>
   <p:notesMasterIdLst>
-    <p:notesMasterId r:id="rId14"/>
+    <p:notesMasterId r:id="rId16"/>
   </p:notesMasterIdLst>
   <p:sldIdLst>
     <p:sldId id="256" r:id="rId2"/>
     <p:sldId id="257" r:id="rId3"/>
     <p:sldId id="258" r:id="rId4"/>
     <p:sldId id="259" r:id="rId5"/>
-    <p:sldId id="260" r:id="rId6"/>
-    <p:sldId id="261" r:id="rId7"/>
-    <p:sldId id="263" r:id="rId8"/>
-    <p:sldId id="262" r:id="rId9"/>
-    <p:sldId id="264" r:id="rId10"/>
-    <p:sldId id="268" r:id="rId11"/>
-    <p:sldId id="266" r:id="rId12"/>
-    <p:sldId id="267" r:id="rId13"/>
+    <p:sldId id="269" r:id="rId6"/>
+    <p:sldId id="270" r:id="rId7"/>
+    <p:sldId id="260" r:id="rId8"/>
+    <p:sldId id="261" r:id="rId9"/>
+    <p:sldId id="263" r:id="rId10"/>
+    <p:sldId id="262" r:id="rId11"/>
+    <p:sldId id="264" r:id="rId12"/>
+    <p:sldId id="268" r:id="rId13"/>
+    <p:sldId id="266" r:id="rId14"/>
+    <p:sldId id="267" r:id="rId15"/>
   </p:sldIdLst>
   <p:sldSz cx="9144000" cy="6858000" type="screen4x3"/>
   <p:notesSz cx="6858000" cy="9144000"/>
@@ -203,7 +205,7 @@
           <a:p>
             <a:fld id="{D741ED3E-8EBE-48F3-BC7B-9D3A0B1198D4}" type="datetimeFigureOut">
               <a:rPr lang="ru-RU" smtClean="0"/>
-              <a:t>31.03.2022</a:t>
+              <a:t>15.04.2022</a:t>
             </a:fld>
             <a:endParaRPr lang="ru-RU"/>
           </a:p>
@@ -736,7 +738,7 @@
           <a:p>
             <a:fld id="{756AF8E4-984F-4976-99E2-A1A8995AD39F}" type="datetimeFigureOut">
               <a:rPr lang="ru-RU" smtClean="0"/>
-              <a:t>31.03.2022</a:t>
+              <a:t>15.04.2022</a:t>
             </a:fld>
             <a:endParaRPr lang="ru-RU"/>
           </a:p>
@@ -906,7 +908,7 @@
           <a:p>
             <a:fld id="{756AF8E4-984F-4976-99E2-A1A8995AD39F}" type="datetimeFigureOut">
               <a:rPr lang="ru-RU" smtClean="0"/>
-              <a:t>31.03.2022</a:t>
+              <a:t>15.04.2022</a:t>
             </a:fld>
             <a:endParaRPr lang="ru-RU"/>
           </a:p>
@@ -1086,7 +1088,7 @@
           <a:p>
             <a:fld id="{756AF8E4-984F-4976-99E2-A1A8995AD39F}" type="datetimeFigureOut">
               <a:rPr lang="ru-RU" smtClean="0"/>
-              <a:t>31.03.2022</a:t>
+              <a:t>15.04.2022</a:t>
             </a:fld>
             <a:endParaRPr lang="ru-RU"/>
           </a:p>
@@ -1256,7 +1258,7 @@
           <a:p>
             <a:fld id="{756AF8E4-984F-4976-99E2-A1A8995AD39F}" type="datetimeFigureOut">
               <a:rPr lang="ru-RU" smtClean="0"/>
-              <a:t>31.03.2022</a:t>
+              <a:t>15.04.2022</a:t>
             </a:fld>
             <a:endParaRPr lang="ru-RU"/>
           </a:p>
@@ -1502,7 +1504,7 @@
           <a:p>
             <a:fld id="{756AF8E4-984F-4976-99E2-A1A8995AD39F}" type="datetimeFigureOut">
               <a:rPr lang="ru-RU" smtClean="0"/>
-              <a:t>31.03.2022</a:t>
+              <a:t>15.04.2022</a:t>
             </a:fld>
             <a:endParaRPr lang="ru-RU"/>
           </a:p>
@@ -1790,7 +1792,7 @@
           <a:p>
             <a:fld id="{756AF8E4-984F-4976-99E2-A1A8995AD39F}" type="datetimeFigureOut">
               <a:rPr lang="ru-RU" smtClean="0"/>
-              <a:t>31.03.2022</a:t>
+              <a:t>15.04.2022</a:t>
             </a:fld>
             <a:endParaRPr lang="ru-RU"/>
           </a:p>
@@ -2212,7 +2214,7 @@
           <a:p>
             <a:fld id="{756AF8E4-984F-4976-99E2-A1A8995AD39F}" type="datetimeFigureOut">
               <a:rPr lang="ru-RU" smtClean="0"/>
-              <a:t>31.03.2022</a:t>
+              <a:t>15.04.2022</a:t>
             </a:fld>
             <a:endParaRPr lang="ru-RU"/>
           </a:p>
@@ -2330,7 +2332,7 @@
           <a:p>
             <a:fld id="{756AF8E4-984F-4976-99E2-A1A8995AD39F}" type="datetimeFigureOut">
               <a:rPr lang="ru-RU" smtClean="0"/>
-              <a:t>31.03.2022</a:t>
+              <a:t>15.04.2022</a:t>
             </a:fld>
             <a:endParaRPr lang="ru-RU"/>
           </a:p>
@@ -2425,7 +2427,7 @@
           <a:p>
             <a:fld id="{756AF8E4-984F-4976-99E2-A1A8995AD39F}" type="datetimeFigureOut">
               <a:rPr lang="ru-RU" smtClean="0"/>
-              <a:t>31.03.2022</a:t>
+              <a:t>15.04.2022</a:t>
             </a:fld>
             <a:endParaRPr lang="ru-RU"/>
           </a:p>
@@ -2702,7 +2704,7 @@
           <a:p>
             <a:fld id="{756AF8E4-984F-4976-99E2-A1A8995AD39F}" type="datetimeFigureOut">
               <a:rPr lang="ru-RU" smtClean="0"/>
-              <a:t>31.03.2022</a:t>
+              <a:t>15.04.2022</a:t>
             </a:fld>
             <a:endParaRPr lang="ru-RU"/>
           </a:p>
@@ -2955,7 +2957,7 @@
           <a:p>
             <a:fld id="{756AF8E4-984F-4976-99E2-A1A8995AD39F}" type="datetimeFigureOut">
               <a:rPr lang="ru-RU" smtClean="0"/>
-              <a:t>31.03.2022</a:t>
+              <a:t>15.04.2022</a:t>
             </a:fld>
             <a:endParaRPr lang="ru-RU"/>
           </a:p>
@@ -3168,7 +3170,7 @@
           <a:p>
             <a:fld id="{756AF8E4-984F-4976-99E2-A1A8995AD39F}" type="datetimeFigureOut">
               <a:rPr lang="ru-RU" smtClean="0"/>
-              <a:t>31.03.2022</a:t>
+              <a:t>15.04.2022</a:t>
             </a:fld>
             <a:endParaRPr lang="ru-RU"/>
           </a:p>
@@ -3651,6 +3653,461 @@
       </p:grpSpPr>
       <p:sp>
         <p:nvSpPr>
+          <p:cNvPr id="3" name="Объект 2"/>
+          <p:cNvSpPr>
+            <a:spLocks noGrp="1"/>
+          </p:cNvSpPr>
+          <p:nvPr>
+            <p:ph idx="1"/>
+          </p:nvPr>
+        </p:nvSpPr>
+        <p:spPr>
+          <a:xfrm>
+            <a:off x="2771800" y="5805264"/>
+            <a:ext cx="8229600" cy="676672"/>
+          </a:xfrm>
+        </p:spPr>
+        <p:txBody>
+          <a:bodyPr/>
+          <a:lstStyle/>
+          <a:p>
+            <a:pPr marL="0" indent="0">
+              <a:buNone/>
+            </a:pPr>
+            <a:r>
+              <a:rPr lang="en-US" dirty="0" smtClean="0"/>
+              <a:t>LZ77</a:t>
+            </a:r>
+            <a:r>
+              <a:rPr lang="en-US" dirty="0"/>
+              <a:t> </a:t>
+            </a:r>
+            <a:endParaRPr lang="ru-RU" dirty="0"/>
+          </a:p>
+        </p:txBody>
+      </p:sp>
+      <p:pic>
+        <p:nvPicPr>
+          <p:cNvPr id="3074" name="Picture 2"/>
+          <p:cNvPicPr>
+            <a:picLocks noChangeAspect="1" noChangeArrowheads="1"/>
+          </p:cNvPicPr>
+          <p:nvPr/>
+        </p:nvPicPr>
+        <p:blipFill>
+          <a:blip r:embed="rId2">
+            <a:extLst>
+              <a:ext uri="{28A0092B-C50C-407E-A947-70E740481C1C}">
+                <a14:useLocalDpi xmlns:a14="http://schemas.microsoft.com/office/drawing/2010/main" val="0"/>
+              </a:ext>
+            </a:extLst>
+          </a:blip>
+          <a:srcRect/>
+          <a:stretch>
+            <a:fillRect/>
+          </a:stretch>
+        </p:blipFill>
+        <p:spPr bwMode="auto">
+          <a:xfrm>
+            <a:off x="395537" y="476673"/>
+            <a:ext cx="3600400" cy="3015648"/>
+          </a:xfrm>
+          <a:prstGeom prst="rect">
+            <a:avLst/>
+          </a:prstGeom>
+          <a:noFill/>
+          <a:ln>
+            <a:noFill/>
+          </a:ln>
+          <a:effectLst/>
+          <a:extLst>
+            <a:ext uri="{909E8E84-426E-40DD-AFC4-6F175D3DCCD1}">
+              <a14:hiddenFill xmlns:a14="http://schemas.microsoft.com/office/drawing/2010/main">
+                <a:solidFill>
+                  <a:schemeClr val="accent1"/>
+                </a:solidFill>
+              </a14:hiddenFill>
+            </a:ext>
+            <a:ext uri="{91240B29-F687-4F45-9708-019B960494DF}">
+              <a14:hiddenLine xmlns:a14="http://schemas.microsoft.com/office/drawing/2010/main" w="9525">
+                <a:solidFill>
+                  <a:schemeClr val="tx1"/>
+                </a:solidFill>
+                <a:miter lim="800000"/>
+                <a:headEnd/>
+                <a:tailEnd/>
+              </a14:hiddenLine>
+            </a:ext>
+            <a:ext uri="{AF507438-7753-43E0-B8FC-AC1667EBCBE1}">
+              <a14:hiddenEffects xmlns:a14="http://schemas.microsoft.com/office/drawing/2010/main">
+                <a:effectLst>
+                  <a:outerShdw dist="35921" dir="2700000" algn="ctr" rotWithShape="0">
+                    <a:schemeClr val="bg2"/>
+                  </a:outerShdw>
+                </a:effectLst>
+              </a14:hiddenEffects>
+            </a:ext>
+          </a:extLst>
+        </p:spPr>
+      </p:pic>
+      <p:sp>
+        <p:nvSpPr>
+          <p:cNvPr id="5" name="Объект 2"/>
+          <p:cNvSpPr txBox="1">
+            <a:spLocks/>
+          </p:cNvSpPr>
+          <p:nvPr/>
+        </p:nvSpPr>
+        <p:spPr>
+          <a:xfrm>
+            <a:off x="-1836712" y="476673"/>
+            <a:ext cx="8229600" cy="676672"/>
+          </a:xfrm>
+          <a:prstGeom prst="rect">
+            <a:avLst/>
+          </a:prstGeom>
+        </p:spPr>
+        <p:txBody>
+          <a:bodyPr vert="horz" lIns="91440" tIns="45720" rIns="91440" bIns="45720" rtlCol="0">
+            <a:normAutofit/>
+          </a:bodyPr>
+          <a:lstStyle>
+            <a:lvl1pPr marL="342900" indent="-342900" algn="l" defTabSz="914400" rtl="0" eaLnBrk="1" latinLnBrk="0" hangingPunct="1">
+              <a:spcBef>
+                <a:spcPct val="20000"/>
+              </a:spcBef>
+              <a:buFont typeface="Arial" panose="020B0604020202020204" pitchFamily="34" charset="0"/>
+              <a:buChar char="•"/>
+              <a:defRPr sz="3200" kern="1200">
+                <a:solidFill>
+                  <a:schemeClr val="tx1"/>
+                </a:solidFill>
+                <a:latin typeface="+mn-lt"/>
+                <a:ea typeface="+mn-ea"/>
+                <a:cs typeface="+mn-cs"/>
+              </a:defRPr>
+            </a:lvl1pPr>
+            <a:lvl2pPr marL="742950" indent="-285750" algn="l" defTabSz="914400" rtl="0" eaLnBrk="1" latinLnBrk="0" hangingPunct="1">
+              <a:spcBef>
+                <a:spcPct val="20000"/>
+              </a:spcBef>
+              <a:buFont typeface="Arial" panose="020B0604020202020204" pitchFamily="34" charset="0"/>
+              <a:buChar char="–"/>
+              <a:defRPr sz="2800" kern="1200">
+                <a:solidFill>
+                  <a:schemeClr val="tx1"/>
+                </a:solidFill>
+                <a:latin typeface="+mn-lt"/>
+                <a:ea typeface="+mn-ea"/>
+                <a:cs typeface="+mn-cs"/>
+              </a:defRPr>
+            </a:lvl2pPr>
+            <a:lvl3pPr marL="1143000" indent="-228600" algn="l" defTabSz="914400" rtl="0" eaLnBrk="1" latinLnBrk="0" hangingPunct="1">
+              <a:spcBef>
+                <a:spcPct val="20000"/>
+              </a:spcBef>
+              <a:buFont typeface="Arial" panose="020B0604020202020204" pitchFamily="34" charset="0"/>
+              <a:buChar char="•"/>
+              <a:defRPr sz="2400" kern="1200">
+                <a:solidFill>
+                  <a:schemeClr val="tx1"/>
+                </a:solidFill>
+                <a:latin typeface="+mn-lt"/>
+                <a:ea typeface="+mn-ea"/>
+                <a:cs typeface="+mn-cs"/>
+              </a:defRPr>
+            </a:lvl3pPr>
+            <a:lvl4pPr marL="1600200" indent="-228600" algn="l" defTabSz="914400" rtl="0" eaLnBrk="1" latinLnBrk="0" hangingPunct="1">
+              <a:spcBef>
+                <a:spcPct val="20000"/>
+              </a:spcBef>
+              <a:buFont typeface="Arial" panose="020B0604020202020204" pitchFamily="34" charset="0"/>
+              <a:buChar char="–"/>
+              <a:defRPr sz="2000" kern="1200">
+                <a:solidFill>
+                  <a:schemeClr val="tx1"/>
+                </a:solidFill>
+                <a:latin typeface="+mn-lt"/>
+                <a:ea typeface="+mn-ea"/>
+                <a:cs typeface="+mn-cs"/>
+              </a:defRPr>
+            </a:lvl4pPr>
+            <a:lvl5pPr marL="2057400" indent="-228600" algn="l" defTabSz="914400" rtl="0" eaLnBrk="1" latinLnBrk="0" hangingPunct="1">
+              <a:spcBef>
+                <a:spcPct val="20000"/>
+              </a:spcBef>
+              <a:buFont typeface="Arial" panose="020B0604020202020204" pitchFamily="34" charset="0"/>
+              <a:buChar char="»"/>
+              <a:defRPr sz="2000" kern="1200">
+                <a:solidFill>
+                  <a:schemeClr val="tx1"/>
+                </a:solidFill>
+                <a:latin typeface="+mn-lt"/>
+                <a:ea typeface="+mn-ea"/>
+                <a:cs typeface="+mn-cs"/>
+              </a:defRPr>
+            </a:lvl5pPr>
+            <a:lvl6pPr marL="2514600" indent="-228600" algn="l" defTabSz="914400" rtl="0" eaLnBrk="1" latinLnBrk="0" hangingPunct="1">
+              <a:spcBef>
+                <a:spcPct val="20000"/>
+              </a:spcBef>
+              <a:buFont typeface="Arial" panose="020B0604020202020204" pitchFamily="34" charset="0"/>
+              <a:buChar char="•"/>
+              <a:defRPr sz="2000" kern="1200">
+                <a:solidFill>
+                  <a:schemeClr val="tx1"/>
+                </a:solidFill>
+                <a:latin typeface="+mn-lt"/>
+                <a:ea typeface="+mn-ea"/>
+                <a:cs typeface="+mn-cs"/>
+              </a:defRPr>
+            </a:lvl6pPr>
+            <a:lvl7pPr marL="2971800" indent="-228600" algn="l" defTabSz="914400" rtl="0" eaLnBrk="1" latinLnBrk="0" hangingPunct="1">
+              <a:spcBef>
+                <a:spcPct val="20000"/>
+              </a:spcBef>
+              <a:buFont typeface="Arial" panose="020B0604020202020204" pitchFamily="34" charset="0"/>
+              <a:buChar char="•"/>
+              <a:defRPr sz="2000" kern="1200">
+                <a:solidFill>
+                  <a:schemeClr val="tx1"/>
+                </a:solidFill>
+                <a:latin typeface="+mn-lt"/>
+                <a:ea typeface="+mn-ea"/>
+                <a:cs typeface="+mn-cs"/>
+              </a:defRPr>
+            </a:lvl7pPr>
+            <a:lvl8pPr marL="3429000" indent="-228600" algn="l" defTabSz="914400" rtl="0" eaLnBrk="1" latinLnBrk="0" hangingPunct="1">
+              <a:spcBef>
+                <a:spcPct val="20000"/>
+              </a:spcBef>
+              <a:buFont typeface="Arial" panose="020B0604020202020204" pitchFamily="34" charset="0"/>
+              <a:buChar char="•"/>
+              <a:defRPr sz="2000" kern="1200">
+                <a:solidFill>
+                  <a:schemeClr val="tx1"/>
+                </a:solidFill>
+                <a:latin typeface="+mn-lt"/>
+                <a:ea typeface="+mn-ea"/>
+                <a:cs typeface="+mn-cs"/>
+              </a:defRPr>
+            </a:lvl8pPr>
+            <a:lvl9pPr marL="3886200" indent="-228600" algn="l" defTabSz="914400" rtl="0" eaLnBrk="1" latinLnBrk="0" hangingPunct="1">
+              <a:spcBef>
+                <a:spcPct val="20000"/>
+              </a:spcBef>
+              <a:buFont typeface="Arial" panose="020B0604020202020204" pitchFamily="34" charset="0"/>
+              <a:buChar char="•"/>
+              <a:defRPr sz="2000" kern="1200">
+                <a:solidFill>
+                  <a:schemeClr val="tx1"/>
+                </a:solidFill>
+                <a:latin typeface="+mn-lt"/>
+                <a:ea typeface="+mn-ea"/>
+                <a:cs typeface="+mn-cs"/>
+              </a:defRPr>
+            </a:lvl9pPr>
+          </a:lstStyle>
+          <a:p>
+            <a:pPr marL="0" indent="0" algn="r">
+              <a:buFont typeface="Arial" panose="020B0604020202020204" pitchFamily="34" charset="0"/>
+              <a:buNone/>
+            </a:pPr>
+            <a:r>
+              <a:rPr lang="ru-RU" dirty="0" smtClean="0"/>
+              <a:t>Хаффман</a:t>
+            </a:r>
+            <a:endParaRPr lang="ru-RU" dirty="0"/>
+          </a:p>
+        </p:txBody>
+      </p:sp>
+      <p:pic>
+        <p:nvPicPr>
+          <p:cNvPr id="3076" name="Picture 4" descr="https://images.slideplayer.com/36/10582342/slides/slide_5.jpg"/>
+          <p:cNvPicPr>
+            <a:picLocks noChangeAspect="1" noChangeArrowheads="1"/>
+          </p:cNvPicPr>
+          <p:nvPr/>
+        </p:nvPicPr>
+        <p:blipFill>
+          <a:blip r:embed="rId3">
+            <a:extLst>
+              <a:ext uri="{28A0092B-C50C-407E-A947-70E740481C1C}">
+                <a14:useLocalDpi xmlns:a14="http://schemas.microsoft.com/office/drawing/2010/main" val="0"/>
+              </a:ext>
+            </a:extLst>
+          </a:blip>
+          <a:srcRect/>
+          <a:stretch>
+            <a:fillRect/>
+          </a:stretch>
+        </p:blipFill>
+        <p:spPr bwMode="auto">
+          <a:xfrm>
+            <a:off x="4572000" y="3645024"/>
+            <a:ext cx="4129725" cy="3097294"/>
+          </a:xfrm>
+          <a:prstGeom prst="rect">
+            <a:avLst/>
+          </a:prstGeom>
+          <a:noFill/>
+          <a:extLst>
+            <a:ext uri="{909E8E84-426E-40DD-AFC4-6F175D3DCCD1}">
+              <a14:hiddenFill xmlns:a14="http://schemas.microsoft.com/office/drawing/2010/main">
+                <a:solidFill>
+                  <a:srgbClr val="FFFFFF"/>
+                </a:solidFill>
+              </a14:hiddenFill>
+            </a:ext>
+          </a:extLst>
+        </p:spPr>
+      </p:pic>
+    </p:spTree>
+    <p:extLst>
+      <p:ext uri="{BB962C8B-B14F-4D97-AF65-F5344CB8AC3E}">
+        <p14:creationId xmlns:p14="http://schemas.microsoft.com/office/powerpoint/2010/main" val="1222759210"/>
+      </p:ext>
+    </p:extLst>
+  </p:cSld>
+  <p:clrMapOvr>
+    <a:masterClrMapping/>
+  </p:clrMapOvr>
+  <p:timing>
+    <p:tnLst>
+      <p:par>
+        <p:cTn id="1" dur="indefinite" restart="never" nodeType="tmRoot"/>
+      </p:par>
+    </p:tnLst>
+  </p:timing>
+</p:sld>
+</file>
+
+<file path=ppt/slides/slide11.xml><?xml version="1.0" encoding="utf-8"?>
+<p:sld xmlns:a="http://schemas.openxmlformats.org/drawingml/2006/main" xmlns:r="http://schemas.openxmlformats.org/officeDocument/2006/relationships" xmlns:p="http://schemas.openxmlformats.org/presentationml/2006/main">
+  <p:cSld>
+    <p:spTree>
+      <p:nvGrpSpPr>
+        <p:cNvPr id="1" name=""/>
+        <p:cNvGrpSpPr/>
+        <p:nvPr/>
+      </p:nvGrpSpPr>
+      <p:grpSpPr>
+        <a:xfrm>
+          <a:off x="0" y="0"/>
+          <a:ext cx="0" cy="0"/>
+          <a:chOff x="0" y="0"/>
+          <a:chExt cx="0" cy="0"/>
+        </a:xfrm>
+      </p:grpSpPr>
+      <p:sp>
+        <p:nvSpPr>
+          <p:cNvPr id="3" name="Объект 2"/>
+          <p:cNvSpPr>
+            <a:spLocks noGrp="1"/>
+          </p:cNvSpPr>
+          <p:nvPr>
+            <p:ph idx="1"/>
+          </p:nvPr>
+        </p:nvSpPr>
+        <p:spPr>
+          <a:xfrm>
+            <a:off x="395536" y="404664"/>
+            <a:ext cx="8229600" cy="820688"/>
+          </a:xfrm>
+        </p:spPr>
+        <p:txBody>
+          <a:bodyPr/>
+          <a:lstStyle/>
+          <a:p>
+            <a:pPr marL="0" indent="0">
+              <a:buNone/>
+            </a:pPr>
+            <a:r>
+              <a:rPr lang="en-US" dirty="0" smtClean="0"/>
+              <a:t>LZ78</a:t>
+            </a:r>
+            <a:endParaRPr lang="ru-RU" dirty="0"/>
+          </a:p>
+        </p:txBody>
+      </p:sp>
+      <p:pic>
+        <p:nvPicPr>
+          <p:cNvPr id="4098" name="Picture 2" descr="https://image1.slideserve.com/2014042/lz78-coding-example-l.jpg"/>
+          <p:cNvPicPr>
+            <a:picLocks noChangeAspect="1" noChangeArrowheads="1"/>
+          </p:cNvPicPr>
+          <p:nvPr/>
+        </p:nvPicPr>
+        <p:blipFill rotWithShape="1">
+          <a:blip r:embed="rId2">
+            <a:extLst>
+              <a:ext uri="{28A0092B-C50C-407E-A947-70E740481C1C}">
+                <a14:useLocalDpi xmlns:a14="http://schemas.microsoft.com/office/drawing/2010/main" val="0"/>
+              </a:ext>
+            </a:extLst>
+          </a:blip>
+          <a:srcRect b="19919"/>
+          <a:stretch/>
+        </p:blipFill>
+        <p:spPr bwMode="auto">
+          <a:xfrm>
+            <a:off x="1763688" y="476672"/>
+            <a:ext cx="5040560" cy="3027401"/>
+          </a:xfrm>
+          <a:prstGeom prst="rect">
+            <a:avLst/>
+          </a:prstGeom>
+          <a:noFill/>
+          <a:extLst>
+            <a:ext uri="{909E8E84-426E-40DD-AFC4-6F175D3DCCD1}">
+              <a14:hiddenFill xmlns:a14="http://schemas.microsoft.com/office/drawing/2010/main">
+                <a:solidFill>
+                  <a:srgbClr val="FFFFFF"/>
+                </a:solidFill>
+              </a14:hiddenFill>
+            </a:ext>
+          </a:extLst>
+        </p:spPr>
+      </p:pic>
+    </p:spTree>
+    <p:extLst>
+      <p:ext uri="{BB962C8B-B14F-4D97-AF65-F5344CB8AC3E}">
+        <p14:creationId xmlns:p14="http://schemas.microsoft.com/office/powerpoint/2010/main" val="1463570311"/>
+      </p:ext>
+    </p:extLst>
+  </p:cSld>
+  <p:clrMapOvr>
+    <a:masterClrMapping/>
+  </p:clrMapOvr>
+  <p:timing>
+    <p:tnLst>
+      <p:par>
+        <p:cTn id="1" dur="indefinite" restart="never" nodeType="tmRoot"/>
+      </p:par>
+    </p:tnLst>
+  </p:timing>
+</p:sld>
+</file>
+
+<file path=ppt/slides/slide12.xml><?xml version="1.0" encoding="utf-8"?>
+<p:sld xmlns:a="http://schemas.openxmlformats.org/drawingml/2006/main" xmlns:r="http://schemas.openxmlformats.org/officeDocument/2006/relationships" xmlns:p="http://schemas.openxmlformats.org/presentationml/2006/main">
+  <p:cSld>
+    <p:spTree>
+      <p:nvGrpSpPr>
+        <p:cNvPr id="1" name=""/>
+        <p:cNvGrpSpPr/>
+        <p:nvPr/>
+      </p:nvGrpSpPr>
+      <p:grpSpPr>
+        <a:xfrm>
+          <a:off x="0" y="0"/>
+          <a:ext cx="0" cy="0"/>
+          <a:chOff x="0" y="0"/>
+          <a:chExt cx="0" cy="0"/>
+        </a:xfrm>
+      </p:grpSpPr>
+      <p:sp>
+        <p:nvSpPr>
           <p:cNvPr id="2" name="Заголовок 1"/>
           <p:cNvSpPr>
             <a:spLocks noGrp="1"/>
@@ -3697,7 +4154,7 @@
 </p:sld>
 </file>
 
-<file path=ppt/slides/slide11.xml><?xml version="1.0" encoding="utf-8"?>
+<file path=ppt/slides/slide13.xml><?xml version="1.0" encoding="utf-8"?>
 <p:sld xmlns:a="http://schemas.openxmlformats.org/drawingml/2006/main" xmlns:r="http://schemas.openxmlformats.org/officeDocument/2006/relationships" xmlns:p="http://schemas.openxmlformats.org/presentationml/2006/main">
   <p:cSld>
     <p:spTree>
@@ -3826,7 +4283,7 @@
 </p:sld>
 </file>
 
-<file path=ppt/slides/slide12.xml><?xml version="1.0" encoding="utf-8"?>
+<file path=ppt/slides/slide14.xml><?xml version="1.0" encoding="utf-8"?>
 <p:sld xmlns:a="http://schemas.openxmlformats.org/drawingml/2006/main" xmlns:r="http://schemas.openxmlformats.org/officeDocument/2006/relationships" xmlns:p="http://schemas.openxmlformats.org/presentationml/2006/main">
   <p:cSld>
     <p:bg>
@@ -4766,6 +5223,219 @@
         </p:nvSpPr>
         <p:spPr/>
         <p:txBody>
+          <a:bodyPr>
+            <a:normAutofit fontScale="90000"/>
+          </a:bodyPr>
+          <a:lstStyle/>
+          <a:p>
+            <a:r>
+              <a:rPr lang="ru-RU" dirty="0" smtClean="0"/>
+              <a:t>Сравнение алгоритмов на реальных данных</a:t>
+            </a:r>
+            <a:endParaRPr lang="ru-RU" dirty="0"/>
+          </a:p>
+        </p:txBody>
+      </p:sp>
+      <p:pic>
+        <p:nvPicPr>
+          <p:cNvPr id="1026" name="Picture 2"/>
+          <p:cNvPicPr>
+            <a:picLocks noChangeAspect="1" noChangeArrowheads="1"/>
+          </p:cNvPicPr>
+          <p:nvPr/>
+        </p:nvPicPr>
+        <p:blipFill>
+          <a:blip r:embed="rId2">
+            <a:extLst>
+              <a:ext uri="{28A0092B-C50C-407E-A947-70E740481C1C}">
+                <a14:useLocalDpi xmlns:a14="http://schemas.microsoft.com/office/drawing/2010/main" val="0"/>
+              </a:ext>
+            </a:extLst>
+          </a:blip>
+          <a:srcRect/>
+          <a:stretch>
+            <a:fillRect/>
+          </a:stretch>
+        </p:blipFill>
+        <p:spPr bwMode="auto">
+          <a:xfrm>
+            <a:off x="719572" y="1772816"/>
+            <a:ext cx="7704855" cy="4638984"/>
+          </a:xfrm>
+          <a:prstGeom prst="rect">
+            <a:avLst/>
+          </a:prstGeom>
+          <a:noFill/>
+          <a:ln>
+            <a:noFill/>
+          </a:ln>
+          <a:effectLst/>
+          <a:extLst>
+            <a:ext uri="{909E8E84-426E-40DD-AFC4-6F175D3DCCD1}">
+              <a14:hiddenFill xmlns:a14="http://schemas.microsoft.com/office/drawing/2010/main">
+                <a:solidFill>
+                  <a:schemeClr val="accent1"/>
+                </a:solidFill>
+              </a14:hiddenFill>
+            </a:ext>
+            <a:ext uri="{91240B29-F687-4F45-9708-019B960494DF}">
+              <a14:hiddenLine xmlns:a14="http://schemas.microsoft.com/office/drawing/2010/main" w="9525">
+                <a:solidFill>
+                  <a:schemeClr val="tx1"/>
+                </a:solidFill>
+                <a:miter lim="800000"/>
+                <a:headEnd/>
+                <a:tailEnd/>
+              </a14:hiddenLine>
+            </a:ext>
+            <a:ext uri="{AF507438-7753-43E0-B8FC-AC1667EBCBE1}">
+              <a14:hiddenEffects xmlns:a14="http://schemas.microsoft.com/office/drawing/2010/main">
+                <a:effectLst>
+                  <a:outerShdw dist="35921" dir="2700000" algn="ctr" rotWithShape="0">
+                    <a:schemeClr val="bg2"/>
+                  </a:outerShdw>
+                </a:effectLst>
+              </a14:hiddenEffects>
+            </a:ext>
+          </a:extLst>
+        </p:spPr>
+      </p:pic>
+    </p:spTree>
+    <p:extLst>
+      <p:ext uri="{BB962C8B-B14F-4D97-AF65-F5344CB8AC3E}">
+        <p14:creationId xmlns:p14="http://schemas.microsoft.com/office/powerpoint/2010/main" val="2906922004"/>
+      </p:ext>
+    </p:extLst>
+  </p:cSld>
+  <p:clrMapOvr>
+    <a:masterClrMapping/>
+  </p:clrMapOvr>
+</p:sld>
+</file>
+
+<file path=ppt/slides/slide6.xml><?xml version="1.0" encoding="utf-8"?>
+<p:sld xmlns:a="http://schemas.openxmlformats.org/drawingml/2006/main" xmlns:r="http://schemas.openxmlformats.org/officeDocument/2006/relationships" xmlns:p="http://schemas.openxmlformats.org/presentationml/2006/main">
+  <p:cSld>
+    <p:spTree>
+      <p:nvGrpSpPr>
+        <p:cNvPr id="1" name=""/>
+        <p:cNvGrpSpPr/>
+        <p:nvPr/>
+      </p:nvGrpSpPr>
+      <p:grpSpPr>
+        <a:xfrm>
+          <a:off x="0" y="0"/>
+          <a:ext cx="0" cy="0"/>
+          <a:chOff x="0" y="0"/>
+          <a:chExt cx="0" cy="0"/>
+        </a:xfrm>
+      </p:grpSpPr>
+      <p:pic>
+        <p:nvPicPr>
+          <p:cNvPr id="4" name="Picture 3"/>
+          <p:cNvPicPr>
+            <a:picLocks noChangeAspect="1" noChangeArrowheads="1"/>
+          </p:cNvPicPr>
+          <p:nvPr/>
+        </p:nvPicPr>
+        <p:blipFill>
+          <a:blip r:embed="rId2">
+            <a:extLst>
+              <a:ext uri="{28A0092B-C50C-407E-A947-70E740481C1C}">
+                <a14:useLocalDpi xmlns:a14="http://schemas.microsoft.com/office/drawing/2010/main" val="0"/>
+              </a:ext>
+            </a:extLst>
+          </a:blip>
+          <a:srcRect/>
+          <a:stretch>
+            <a:fillRect/>
+          </a:stretch>
+        </p:blipFill>
+        <p:spPr bwMode="auto">
+          <a:xfrm>
+            <a:off x="719572" y="1268760"/>
+            <a:ext cx="7704856" cy="4631511"/>
+          </a:xfrm>
+          <a:prstGeom prst="rect">
+            <a:avLst/>
+          </a:prstGeom>
+          <a:noFill/>
+          <a:ln>
+            <a:noFill/>
+          </a:ln>
+          <a:effectLst/>
+          <a:extLst>
+            <a:ext uri="{909E8E84-426E-40DD-AFC4-6F175D3DCCD1}">
+              <a14:hiddenFill xmlns:a14="http://schemas.microsoft.com/office/drawing/2010/main">
+                <a:solidFill>
+                  <a:schemeClr val="accent1"/>
+                </a:solidFill>
+              </a14:hiddenFill>
+            </a:ext>
+            <a:ext uri="{91240B29-F687-4F45-9708-019B960494DF}">
+              <a14:hiddenLine xmlns:a14="http://schemas.microsoft.com/office/drawing/2010/main" w="9525">
+                <a:solidFill>
+                  <a:schemeClr val="tx1"/>
+                </a:solidFill>
+                <a:miter lim="800000"/>
+                <a:headEnd/>
+                <a:tailEnd/>
+              </a14:hiddenLine>
+            </a:ext>
+            <a:ext uri="{AF507438-7753-43E0-B8FC-AC1667EBCBE1}">
+              <a14:hiddenEffects xmlns:a14="http://schemas.microsoft.com/office/drawing/2010/main">
+                <a:effectLst>
+                  <a:outerShdw dist="35921" dir="2700000" algn="ctr" rotWithShape="0">
+                    <a:schemeClr val="bg2"/>
+                  </a:outerShdw>
+                </a:effectLst>
+              </a14:hiddenEffects>
+            </a:ext>
+          </a:extLst>
+        </p:spPr>
+      </p:pic>
+    </p:spTree>
+    <p:extLst>
+      <p:ext uri="{BB962C8B-B14F-4D97-AF65-F5344CB8AC3E}">
+        <p14:creationId xmlns:p14="http://schemas.microsoft.com/office/powerpoint/2010/main" val="3307762064"/>
+      </p:ext>
+    </p:extLst>
+  </p:cSld>
+  <p:clrMapOvr>
+    <a:masterClrMapping/>
+  </p:clrMapOvr>
+</p:sld>
+</file>
+
+<file path=ppt/slides/slide7.xml><?xml version="1.0" encoding="utf-8"?>
+<p:sld xmlns:a="http://schemas.openxmlformats.org/drawingml/2006/main" xmlns:r="http://schemas.openxmlformats.org/officeDocument/2006/relationships" xmlns:p="http://schemas.openxmlformats.org/presentationml/2006/main">
+  <p:cSld>
+    <p:spTree>
+      <p:nvGrpSpPr>
+        <p:cNvPr id="1" name=""/>
+        <p:cNvGrpSpPr/>
+        <p:nvPr/>
+      </p:nvGrpSpPr>
+      <p:grpSpPr>
+        <a:xfrm>
+          <a:off x="0" y="0"/>
+          <a:ext cx="0" cy="0"/>
+          <a:chOff x="0" y="0"/>
+          <a:chExt cx="0" cy="0"/>
+        </a:xfrm>
+      </p:grpSpPr>
+      <p:sp>
+        <p:nvSpPr>
+          <p:cNvPr id="2" name="Заголовок 1"/>
+          <p:cNvSpPr>
+            <a:spLocks noGrp="1"/>
+          </p:cNvSpPr>
+          <p:nvPr>
+            <p:ph type="title"/>
+          </p:nvPr>
+        </p:nvSpPr>
+        <p:spPr/>
+        <p:txBody>
           <a:bodyPr/>
           <a:lstStyle/>
           <a:p>
@@ -4892,7 +5562,7 @@
 </p:sld>
 </file>
 
-<file path=ppt/slides/slide6.xml><?xml version="1.0" encoding="utf-8"?>
+<file path=ppt/slides/slide8.xml><?xml version="1.0" encoding="utf-8"?>
 <p:sld xmlns:a="http://schemas.openxmlformats.org/drawingml/2006/main" xmlns:r="http://schemas.openxmlformats.org/officeDocument/2006/relationships" xmlns:p="http://schemas.openxmlformats.org/presentationml/2006/main">
   <p:cSld>
     <p:spTree>
@@ -5107,7 +5777,7 @@
 </p:sld>
 </file>
 
-<file path=ppt/slides/slide7.xml><?xml version="1.0" encoding="utf-8"?>
+<file path=ppt/slides/slide9.xml><?xml version="1.0" encoding="utf-8"?>
 <p:sld xmlns:a="http://schemas.openxmlformats.org/drawingml/2006/main" xmlns:r="http://schemas.openxmlformats.org/officeDocument/2006/relationships" xmlns:p="http://schemas.openxmlformats.org/presentationml/2006/main">
   <p:cSld>
     <p:spTree>
@@ -5543,461 +6213,6 @@
     <p:extLst>
       <p:ext uri="{BB962C8B-B14F-4D97-AF65-F5344CB8AC3E}">
         <p14:creationId xmlns:p14="http://schemas.microsoft.com/office/powerpoint/2010/main" val="1122017783"/>
-      </p:ext>
-    </p:extLst>
-  </p:cSld>
-  <p:clrMapOvr>
-    <a:masterClrMapping/>
-  </p:clrMapOvr>
-  <p:timing>
-    <p:tnLst>
-      <p:par>
-        <p:cTn id="1" dur="indefinite" restart="never" nodeType="tmRoot"/>
-      </p:par>
-    </p:tnLst>
-  </p:timing>
-</p:sld>
-</file>
-
-<file path=ppt/slides/slide8.xml><?xml version="1.0" encoding="utf-8"?>
-<p:sld xmlns:a="http://schemas.openxmlformats.org/drawingml/2006/main" xmlns:r="http://schemas.openxmlformats.org/officeDocument/2006/relationships" xmlns:p="http://schemas.openxmlformats.org/presentationml/2006/main">
-  <p:cSld>
-    <p:spTree>
-      <p:nvGrpSpPr>
-        <p:cNvPr id="1" name=""/>
-        <p:cNvGrpSpPr/>
-        <p:nvPr/>
-      </p:nvGrpSpPr>
-      <p:grpSpPr>
-        <a:xfrm>
-          <a:off x="0" y="0"/>
-          <a:ext cx="0" cy="0"/>
-          <a:chOff x="0" y="0"/>
-          <a:chExt cx="0" cy="0"/>
-        </a:xfrm>
-      </p:grpSpPr>
-      <p:sp>
-        <p:nvSpPr>
-          <p:cNvPr id="3" name="Объект 2"/>
-          <p:cNvSpPr>
-            <a:spLocks noGrp="1"/>
-          </p:cNvSpPr>
-          <p:nvPr>
-            <p:ph idx="1"/>
-          </p:nvPr>
-        </p:nvSpPr>
-        <p:spPr>
-          <a:xfrm>
-            <a:off x="2771800" y="5805264"/>
-            <a:ext cx="8229600" cy="676672"/>
-          </a:xfrm>
-        </p:spPr>
-        <p:txBody>
-          <a:bodyPr/>
-          <a:lstStyle/>
-          <a:p>
-            <a:pPr marL="0" indent="0">
-              <a:buNone/>
-            </a:pPr>
-            <a:r>
-              <a:rPr lang="en-US" dirty="0" smtClean="0"/>
-              <a:t>LZ77</a:t>
-            </a:r>
-            <a:r>
-              <a:rPr lang="en-US" dirty="0"/>
-              <a:t> </a:t>
-            </a:r>
-            <a:endParaRPr lang="ru-RU" dirty="0"/>
-          </a:p>
-        </p:txBody>
-      </p:sp>
-      <p:pic>
-        <p:nvPicPr>
-          <p:cNvPr id="3074" name="Picture 2"/>
-          <p:cNvPicPr>
-            <a:picLocks noChangeAspect="1" noChangeArrowheads="1"/>
-          </p:cNvPicPr>
-          <p:nvPr/>
-        </p:nvPicPr>
-        <p:blipFill>
-          <a:blip r:embed="rId2">
-            <a:extLst>
-              <a:ext uri="{28A0092B-C50C-407E-A947-70E740481C1C}">
-                <a14:useLocalDpi xmlns:a14="http://schemas.microsoft.com/office/drawing/2010/main" val="0"/>
-              </a:ext>
-            </a:extLst>
-          </a:blip>
-          <a:srcRect/>
-          <a:stretch>
-            <a:fillRect/>
-          </a:stretch>
-        </p:blipFill>
-        <p:spPr bwMode="auto">
-          <a:xfrm>
-            <a:off x="395537" y="476673"/>
-            <a:ext cx="3600400" cy="3015648"/>
-          </a:xfrm>
-          <a:prstGeom prst="rect">
-            <a:avLst/>
-          </a:prstGeom>
-          <a:noFill/>
-          <a:ln>
-            <a:noFill/>
-          </a:ln>
-          <a:effectLst/>
-          <a:extLst>
-            <a:ext uri="{909E8E84-426E-40DD-AFC4-6F175D3DCCD1}">
-              <a14:hiddenFill xmlns:a14="http://schemas.microsoft.com/office/drawing/2010/main">
-                <a:solidFill>
-                  <a:schemeClr val="accent1"/>
-                </a:solidFill>
-              </a14:hiddenFill>
-            </a:ext>
-            <a:ext uri="{91240B29-F687-4F45-9708-019B960494DF}">
-              <a14:hiddenLine xmlns:a14="http://schemas.microsoft.com/office/drawing/2010/main" w="9525">
-                <a:solidFill>
-                  <a:schemeClr val="tx1"/>
-                </a:solidFill>
-                <a:miter lim="800000"/>
-                <a:headEnd/>
-                <a:tailEnd/>
-              </a14:hiddenLine>
-            </a:ext>
-            <a:ext uri="{AF507438-7753-43E0-B8FC-AC1667EBCBE1}">
-              <a14:hiddenEffects xmlns:a14="http://schemas.microsoft.com/office/drawing/2010/main">
-                <a:effectLst>
-                  <a:outerShdw dist="35921" dir="2700000" algn="ctr" rotWithShape="0">
-                    <a:schemeClr val="bg2"/>
-                  </a:outerShdw>
-                </a:effectLst>
-              </a14:hiddenEffects>
-            </a:ext>
-          </a:extLst>
-        </p:spPr>
-      </p:pic>
-      <p:sp>
-        <p:nvSpPr>
-          <p:cNvPr id="5" name="Объект 2"/>
-          <p:cNvSpPr txBox="1">
-            <a:spLocks/>
-          </p:cNvSpPr>
-          <p:nvPr/>
-        </p:nvSpPr>
-        <p:spPr>
-          <a:xfrm>
-            <a:off x="-1836712" y="476673"/>
-            <a:ext cx="8229600" cy="676672"/>
-          </a:xfrm>
-          <a:prstGeom prst="rect">
-            <a:avLst/>
-          </a:prstGeom>
-        </p:spPr>
-        <p:txBody>
-          <a:bodyPr vert="horz" lIns="91440" tIns="45720" rIns="91440" bIns="45720" rtlCol="0">
-            <a:normAutofit/>
-          </a:bodyPr>
-          <a:lstStyle>
-            <a:lvl1pPr marL="342900" indent="-342900" algn="l" defTabSz="914400" rtl="0" eaLnBrk="1" latinLnBrk="0" hangingPunct="1">
-              <a:spcBef>
-                <a:spcPct val="20000"/>
-              </a:spcBef>
-              <a:buFont typeface="Arial" panose="020B0604020202020204" pitchFamily="34" charset="0"/>
-              <a:buChar char="•"/>
-              <a:defRPr sz="3200" kern="1200">
-                <a:solidFill>
-                  <a:schemeClr val="tx1"/>
-                </a:solidFill>
-                <a:latin typeface="+mn-lt"/>
-                <a:ea typeface="+mn-ea"/>
-                <a:cs typeface="+mn-cs"/>
-              </a:defRPr>
-            </a:lvl1pPr>
-            <a:lvl2pPr marL="742950" indent="-285750" algn="l" defTabSz="914400" rtl="0" eaLnBrk="1" latinLnBrk="0" hangingPunct="1">
-              <a:spcBef>
-                <a:spcPct val="20000"/>
-              </a:spcBef>
-              <a:buFont typeface="Arial" panose="020B0604020202020204" pitchFamily="34" charset="0"/>
-              <a:buChar char="–"/>
-              <a:defRPr sz="2800" kern="1200">
-                <a:solidFill>
-                  <a:schemeClr val="tx1"/>
-                </a:solidFill>
-                <a:latin typeface="+mn-lt"/>
-                <a:ea typeface="+mn-ea"/>
-                <a:cs typeface="+mn-cs"/>
-              </a:defRPr>
-            </a:lvl2pPr>
-            <a:lvl3pPr marL="1143000" indent="-228600" algn="l" defTabSz="914400" rtl="0" eaLnBrk="1" latinLnBrk="0" hangingPunct="1">
-              <a:spcBef>
-                <a:spcPct val="20000"/>
-              </a:spcBef>
-              <a:buFont typeface="Arial" panose="020B0604020202020204" pitchFamily="34" charset="0"/>
-              <a:buChar char="•"/>
-              <a:defRPr sz="2400" kern="1200">
-                <a:solidFill>
-                  <a:schemeClr val="tx1"/>
-                </a:solidFill>
-                <a:latin typeface="+mn-lt"/>
-                <a:ea typeface="+mn-ea"/>
-                <a:cs typeface="+mn-cs"/>
-              </a:defRPr>
-            </a:lvl3pPr>
-            <a:lvl4pPr marL="1600200" indent="-228600" algn="l" defTabSz="914400" rtl="0" eaLnBrk="1" latinLnBrk="0" hangingPunct="1">
-              <a:spcBef>
-                <a:spcPct val="20000"/>
-              </a:spcBef>
-              <a:buFont typeface="Arial" panose="020B0604020202020204" pitchFamily="34" charset="0"/>
-              <a:buChar char="–"/>
-              <a:defRPr sz="2000" kern="1200">
-                <a:solidFill>
-                  <a:schemeClr val="tx1"/>
-                </a:solidFill>
-                <a:latin typeface="+mn-lt"/>
-                <a:ea typeface="+mn-ea"/>
-                <a:cs typeface="+mn-cs"/>
-              </a:defRPr>
-            </a:lvl4pPr>
-            <a:lvl5pPr marL="2057400" indent="-228600" algn="l" defTabSz="914400" rtl="0" eaLnBrk="1" latinLnBrk="0" hangingPunct="1">
-              <a:spcBef>
-                <a:spcPct val="20000"/>
-              </a:spcBef>
-              <a:buFont typeface="Arial" panose="020B0604020202020204" pitchFamily="34" charset="0"/>
-              <a:buChar char="»"/>
-              <a:defRPr sz="2000" kern="1200">
-                <a:solidFill>
-                  <a:schemeClr val="tx1"/>
-                </a:solidFill>
-                <a:latin typeface="+mn-lt"/>
-                <a:ea typeface="+mn-ea"/>
-                <a:cs typeface="+mn-cs"/>
-              </a:defRPr>
-            </a:lvl5pPr>
-            <a:lvl6pPr marL="2514600" indent="-228600" algn="l" defTabSz="914400" rtl="0" eaLnBrk="1" latinLnBrk="0" hangingPunct="1">
-              <a:spcBef>
-                <a:spcPct val="20000"/>
-              </a:spcBef>
-              <a:buFont typeface="Arial" panose="020B0604020202020204" pitchFamily="34" charset="0"/>
-              <a:buChar char="•"/>
-              <a:defRPr sz="2000" kern="1200">
-                <a:solidFill>
-                  <a:schemeClr val="tx1"/>
-                </a:solidFill>
-                <a:latin typeface="+mn-lt"/>
-                <a:ea typeface="+mn-ea"/>
-                <a:cs typeface="+mn-cs"/>
-              </a:defRPr>
-            </a:lvl6pPr>
-            <a:lvl7pPr marL="2971800" indent="-228600" algn="l" defTabSz="914400" rtl="0" eaLnBrk="1" latinLnBrk="0" hangingPunct="1">
-              <a:spcBef>
-                <a:spcPct val="20000"/>
-              </a:spcBef>
-              <a:buFont typeface="Arial" panose="020B0604020202020204" pitchFamily="34" charset="0"/>
-              <a:buChar char="•"/>
-              <a:defRPr sz="2000" kern="1200">
-                <a:solidFill>
-                  <a:schemeClr val="tx1"/>
-                </a:solidFill>
-                <a:latin typeface="+mn-lt"/>
-                <a:ea typeface="+mn-ea"/>
-                <a:cs typeface="+mn-cs"/>
-              </a:defRPr>
-            </a:lvl7pPr>
-            <a:lvl8pPr marL="3429000" indent="-228600" algn="l" defTabSz="914400" rtl="0" eaLnBrk="1" latinLnBrk="0" hangingPunct="1">
-              <a:spcBef>
-                <a:spcPct val="20000"/>
-              </a:spcBef>
-              <a:buFont typeface="Arial" panose="020B0604020202020204" pitchFamily="34" charset="0"/>
-              <a:buChar char="•"/>
-              <a:defRPr sz="2000" kern="1200">
-                <a:solidFill>
-                  <a:schemeClr val="tx1"/>
-                </a:solidFill>
-                <a:latin typeface="+mn-lt"/>
-                <a:ea typeface="+mn-ea"/>
-                <a:cs typeface="+mn-cs"/>
-              </a:defRPr>
-            </a:lvl8pPr>
-            <a:lvl9pPr marL="3886200" indent="-228600" algn="l" defTabSz="914400" rtl="0" eaLnBrk="1" latinLnBrk="0" hangingPunct="1">
-              <a:spcBef>
-                <a:spcPct val="20000"/>
-              </a:spcBef>
-              <a:buFont typeface="Arial" panose="020B0604020202020204" pitchFamily="34" charset="0"/>
-              <a:buChar char="•"/>
-              <a:defRPr sz="2000" kern="1200">
-                <a:solidFill>
-                  <a:schemeClr val="tx1"/>
-                </a:solidFill>
-                <a:latin typeface="+mn-lt"/>
-                <a:ea typeface="+mn-ea"/>
-                <a:cs typeface="+mn-cs"/>
-              </a:defRPr>
-            </a:lvl9pPr>
-          </a:lstStyle>
-          <a:p>
-            <a:pPr marL="0" indent="0" algn="r">
-              <a:buFont typeface="Arial" panose="020B0604020202020204" pitchFamily="34" charset="0"/>
-              <a:buNone/>
-            </a:pPr>
-            <a:r>
-              <a:rPr lang="ru-RU" dirty="0" smtClean="0"/>
-              <a:t>Хаффман</a:t>
-            </a:r>
-            <a:endParaRPr lang="ru-RU" dirty="0"/>
-          </a:p>
-        </p:txBody>
-      </p:sp>
-      <p:pic>
-        <p:nvPicPr>
-          <p:cNvPr id="3076" name="Picture 4" descr="https://images.slideplayer.com/36/10582342/slides/slide_5.jpg"/>
-          <p:cNvPicPr>
-            <a:picLocks noChangeAspect="1" noChangeArrowheads="1"/>
-          </p:cNvPicPr>
-          <p:nvPr/>
-        </p:nvPicPr>
-        <p:blipFill>
-          <a:blip r:embed="rId3">
-            <a:extLst>
-              <a:ext uri="{28A0092B-C50C-407E-A947-70E740481C1C}">
-                <a14:useLocalDpi xmlns:a14="http://schemas.microsoft.com/office/drawing/2010/main" val="0"/>
-              </a:ext>
-            </a:extLst>
-          </a:blip>
-          <a:srcRect/>
-          <a:stretch>
-            <a:fillRect/>
-          </a:stretch>
-        </p:blipFill>
-        <p:spPr bwMode="auto">
-          <a:xfrm>
-            <a:off x="4572000" y="3645024"/>
-            <a:ext cx="4129725" cy="3097294"/>
-          </a:xfrm>
-          <a:prstGeom prst="rect">
-            <a:avLst/>
-          </a:prstGeom>
-          <a:noFill/>
-          <a:extLst>
-            <a:ext uri="{909E8E84-426E-40DD-AFC4-6F175D3DCCD1}">
-              <a14:hiddenFill xmlns:a14="http://schemas.microsoft.com/office/drawing/2010/main">
-                <a:solidFill>
-                  <a:srgbClr val="FFFFFF"/>
-                </a:solidFill>
-              </a14:hiddenFill>
-            </a:ext>
-          </a:extLst>
-        </p:spPr>
-      </p:pic>
-    </p:spTree>
-    <p:extLst>
-      <p:ext uri="{BB962C8B-B14F-4D97-AF65-F5344CB8AC3E}">
-        <p14:creationId xmlns:p14="http://schemas.microsoft.com/office/powerpoint/2010/main" val="1222759210"/>
-      </p:ext>
-    </p:extLst>
-  </p:cSld>
-  <p:clrMapOvr>
-    <a:masterClrMapping/>
-  </p:clrMapOvr>
-  <p:timing>
-    <p:tnLst>
-      <p:par>
-        <p:cTn id="1" dur="indefinite" restart="never" nodeType="tmRoot"/>
-      </p:par>
-    </p:tnLst>
-  </p:timing>
-</p:sld>
-</file>
-
-<file path=ppt/slides/slide9.xml><?xml version="1.0" encoding="utf-8"?>
-<p:sld xmlns:a="http://schemas.openxmlformats.org/drawingml/2006/main" xmlns:r="http://schemas.openxmlformats.org/officeDocument/2006/relationships" xmlns:p="http://schemas.openxmlformats.org/presentationml/2006/main">
-  <p:cSld>
-    <p:spTree>
-      <p:nvGrpSpPr>
-        <p:cNvPr id="1" name=""/>
-        <p:cNvGrpSpPr/>
-        <p:nvPr/>
-      </p:nvGrpSpPr>
-      <p:grpSpPr>
-        <a:xfrm>
-          <a:off x="0" y="0"/>
-          <a:ext cx="0" cy="0"/>
-          <a:chOff x="0" y="0"/>
-          <a:chExt cx="0" cy="0"/>
-        </a:xfrm>
-      </p:grpSpPr>
-      <p:sp>
-        <p:nvSpPr>
-          <p:cNvPr id="3" name="Объект 2"/>
-          <p:cNvSpPr>
-            <a:spLocks noGrp="1"/>
-          </p:cNvSpPr>
-          <p:nvPr>
-            <p:ph idx="1"/>
-          </p:nvPr>
-        </p:nvSpPr>
-        <p:spPr>
-          <a:xfrm>
-            <a:off x="395536" y="404664"/>
-            <a:ext cx="8229600" cy="820688"/>
-          </a:xfrm>
-        </p:spPr>
-        <p:txBody>
-          <a:bodyPr/>
-          <a:lstStyle/>
-          <a:p>
-            <a:pPr marL="0" indent="0">
-              <a:buNone/>
-            </a:pPr>
-            <a:r>
-              <a:rPr lang="en-US" dirty="0" smtClean="0"/>
-              <a:t>LZ78</a:t>
-            </a:r>
-            <a:endParaRPr lang="ru-RU" dirty="0"/>
-          </a:p>
-        </p:txBody>
-      </p:sp>
-      <p:pic>
-        <p:nvPicPr>
-          <p:cNvPr id="4098" name="Picture 2" descr="https://image1.slideserve.com/2014042/lz78-coding-example-l.jpg"/>
-          <p:cNvPicPr>
-            <a:picLocks noChangeAspect="1" noChangeArrowheads="1"/>
-          </p:cNvPicPr>
-          <p:nvPr/>
-        </p:nvPicPr>
-        <p:blipFill rotWithShape="1">
-          <a:blip r:embed="rId2">
-            <a:extLst>
-              <a:ext uri="{28A0092B-C50C-407E-A947-70E740481C1C}">
-                <a14:useLocalDpi xmlns:a14="http://schemas.microsoft.com/office/drawing/2010/main" val="0"/>
-              </a:ext>
-            </a:extLst>
-          </a:blip>
-          <a:srcRect b="19919"/>
-          <a:stretch/>
-        </p:blipFill>
-        <p:spPr bwMode="auto">
-          <a:xfrm>
-            <a:off x="1763688" y="476672"/>
-            <a:ext cx="5040560" cy="3027401"/>
-          </a:xfrm>
-          <a:prstGeom prst="rect">
-            <a:avLst/>
-          </a:prstGeom>
-          <a:noFill/>
-          <a:extLst>
-            <a:ext uri="{909E8E84-426E-40DD-AFC4-6F175D3DCCD1}">
-              <a14:hiddenFill xmlns:a14="http://schemas.microsoft.com/office/drawing/2010/main">
-                <a:solidFill>
-                  <a:srgbClr val="FFFFFF"/>
-                </a:solidFill>
-              </a14:hiddenFill>
-            </a:ext>
-          </a:extLst>
-        </p:spPr>
-      </p:pic>
-    </p:spTree>
-    <p:extLst>
-      <p:ext uri="{BB962C8B-B14F-4D97-AF65-F5344CB8AC3E}">
-        <p14:creationId xmlns:p14="http://schemas.microsoft.com/office/powerpoint/2010/main" val="1463570311"/>
       </p:ext>
     </p:extLst>
   </p:cSld>
